--- a/Project/Context/appfianncieraIA.Context.pptx
+++ b/Project/Context/appfianncieraIA.Context.pptx
@@ -4,12 +4,18 @@
   <p:sldMasterIdLst>
     <p:sldMasterId id="2147483648" r:id="rId4"/>
   </p:sldMasterIdLst>
+  <p:notesMasterIdLst>
+    <p:notesMasterId r:id="rId13"/>
+  </p:notesMasterIdLst>
   <p:sldIdLst>
     <p:sldId id="256" r:id="rId5"/>
     <p:sldId id="259" r:id="rId6"/>
     <p:sldId id="257" r:id="rId7"/>
     <p:sldId id="260" r:id="rId8"/>
     <p:sldId id="258" r:id="rId9"/>
+    <p:sldId id="261" r:id="rId10"/>
+    <p:sldId id="263" r:id="rId11"/>
+    <p:sldId id="264" r:id="rId12"/>
   </p:sldIdLst>
   <p:sldSz cx="12192000" cy="6858000"/>
   <p:notesSz cx="6858000" cy="9144000"/>
@@ -116,6 +122,440 @@
 </p:presentation>
 </file>
 
+<file path=ppt/notesMasters/notesMaster1.xml><?xml version="1.0" encoding="utf-8"?>
+<p:notesMaster xmlns:a="http://schemas.openxmlformats.org/drawingml/2006/main" xmlns:r="http://schemas.openxmlformats.org/officeDocument/2006/relationships" xmlns:p="http://schemas.openxmlformats.org/presentationml/2006/main">
+  <p:cSld>
+    <p:bg>
+      <p:bgRef idx="1001">
+        <a:schemeClr val="bg1"/>
+      </p:bgRef>
+    </p:bg>
+    <p:spTree>
+      <p:nvGrpSpPr>
+        <p:cNvPr id="1" name=""/>
+        <p:cNvGrpSpPr/>
+        <p:nvPr/>
+      </p:nvGrpSpPr>
+      <p:grpSpPr>
+        <a:xfrm>
+          <a:off x="0" y="0"/>
+          <a:ext cx="0" cy="0"/>
+          <a:chOff x="0" y="0"/>
+          <a:chExt cx="0" cy="0"/>
+        </a:xfrm>
+      </p:grpSpPr>
+      <p:sp>
+        <p:nvSpPr>
+          <p:cNvPr id="2" name="Marcador de encabezado 1"/>
+          <p:cNvSpPr>
+            <a:spLocks noGrp="1"/>
+          </p:cNvSpPr>
+          <p:nvPr>
+            <p:ph type="hdr" sz="quarter"/>
+          </p:nvPr>
+        </p:nvSpPr>
+        <p:spPr>
+          <a:xfrm>
+            <a:off x="0" y="0"/>
+            <a:ext cx="2971800" cy="458788"/>
+          </a:xfrm>
+          <a:prstGeom prst="rect">
+            <a:avLst/>
+          </a:prstGeom>
+        </p:spPr>
+        <p:txBody>
+          <a:bodyPr vert="horz" lIns="91440" tIns="45720" rIns="91440" bIns="45720" rtlCol="0"/>
+          <a:lstStyle>
+            <a:lvl1pPr algn="l">
+              <a:defRPr sz="1200"/>
+            </a:lvl1pPr>
+          </a:lstStyle>
+          <a:p>
+            <a:endParaRPr lang="es-CO"/>
+          </a:p>
+        </p:txBody>
+      </p:sp>
+      <p:sp>
+        <p:nvSpPr>
+          <p:cNvPr id="3" name="Marcador de fecha 2"/>
+          <p:cNvSpPr>
+            <a:spLocks noGrp="1"/>
+          </p:cNvSpPr>
+          <p:nvPr>
+            <p:ph type="dt" idx="1"/>
+          </p:nvPr>
+        </p:nvSpPr>
+        <p:spPr>
+          <a:xfrm>
+            <a:off x="3884613" y="0"/>
+            <a:ext cx="2971800" cy="458788"/>
+          </a:xfrm>
+          <a:prstGeom prst="rect">
+            <a:avLst/>
+          </a:prstGeom>
+        </p:spPr>
+        <p:txBody>
+          <a:bodyPr vert="horz" lIns="91440" tIns="45720" rIns="91440" bIns="45720" rtlCol="0"/>
+          <a:lstStyle>
+            <a:lvl1pPr algn="r">
+              <a:defRPr sz="1200"/>
+            </a:lvl1pPr>
+          </a:lstStyle>
+          <a:p>
+            <a:fld id="{4516002E-5A81-40BD-BEFD-F9689D96413F}" type="datetimeFigureOut">
+              <a:rPr lang="es-CO" smtClean="0"/>
+              <a:t>9/04/2025</a:t>
+            </a:fld>
+            <a:endParaRPr lang="es-CO"/>
+          </a:p>
+        </p:txBody>
+      </p:sp>
+      <p:sp>
+        <p:nvSpPr>
+          <p:cNvPr id="4" name="Marcador de imagen de diapositiva 3"/>
+          <p:cNvSpPr>
+            <a:spLocks noGrp="1" noRot="1" noChangeAspect="1"/>
+          </p:cNvSpPr>
+          <p:nvPr>
+            <p:ph type="sldImg" idx="2"/>
+          </p:nvPr>
+        </p:nvSpPr>
+        <p:spPr>
+          <a:xfrm>
+            <a:off x="685800" y="1143000"/>
+            <a:ext cx="5486400" cy="3086100"/>
+          </a:xfrm>
+          <a:prstGeom prst="rect">
+            <a:avLst/>
+          </a:prstGeom>
+          <a:noFill/>
+          <a:ln w="12700">
+            <a:solidFill>
+              <a:prstClr val="black"/>
+            </a:solidFill>
+          </a:ln>
+        </p:spPr>
+        <p:txBody>
+          <a:bodyPr vert="horz" lIns="91440" tIns="45720" rIns="91440" bIns="45720" rtlCol="0" anchor="ctr"/>
+          <a:lstStyle/>
+          <a:p>
+            <a:endParaRPr lang="es-CO"/>
+          </a:p>
+        </p:txBody>
+      </p:sp>
+      <p:sp>
+        <p:nvSpPr>
+          <p:cNvPr id="5" name="Marcador de notas 4"/>
+          <p:cNvSpPr>
+            <a:spLocks noGrp="1"/>
+          </p:cNvSpPr>
+          <p:nvPr>
+            <p:ph type="body" sz="quarter" idx="3"/>
+          </p:nvPr>
+        </p:nvSpPr>
+        <p:spPr>
+          <a:xfrm>
+            <a:off x="685800" y="4400550"/>
+            <a:ext cx="5486400" cy="3600450"/>
+          </a:xfrm>
+          <a:prstGeom prst="rect">
+            <a:avLst/>
+          </a:prstGeom>
+        </p:spPr>
+        <p:txBody>
+          <a:bodyPr vert="horz" lIns="91440" tIns="45720" rIns="91440" bIns="45720" rtlCol="0"/>
+          <a:lstStyle/>
+          <a:p>
+            <a:pPr lvl="0"/>
+            <a:r>
+              <a:rPr lang="es-ES"/>
+              <a:t>Haga clic para modificar los estilos de texto del patrón</a:t>
+            </a:r>
+          </a:p>
+          <a:p>
+            <a:pPr lvl="1"/>
+            <a:r>
+              <a:rPr lang="es-ES"/>
+              <a:t>Segundo nivel</a:t>
+            </a:r>
+          </a:p>
+          <a:p>
+            <a:pPr lvl="2"/>
+            <a:r>
+              <a:rPr lang="es-ES"/>
+              <a:t>Tercer nivel</a:t>
+            </a:r>
+          </a:p>
+          <a:p>
+            <a:pPr lvl="3"/>
+            <a:r>
+              <a:rPr lang="es-ES"/>
+              <a:t>Cuarto nivel</a:t>
+            </a:r>
+          </a:p>
+          <a:p>
+            <a:pPr lvl="4"/>
+            <a:r>
+              <a:rPr lang="es-ES"/>
+              <a:t>Quinto nivel</a:t>
+            </a:r>
+            <a:endParaRPr lang="es-CO"/>
+          </a:p>
+        </p:txBody>
+      </p:sp>
+      <p:sp>
+        <p:nvSpPr>
+          <p:cNvPr id="6" name="Marcador de pie de página 5"/>
+          <p:cNvSpPr>
+            <a:spLocks noGrp="1"/>
+          </p:cNvSpPr>
+          <p:nvPr>
+            <p:ph type="ftr" sz="quarter" idx="4"/>
+          </p:nvPr>
+        </p:nvSpPr>
+        <p:spPr>
+          <a:xfrm>
+            <a:off x="0" y="8685213"/>
+            <a:ext cx="2971800" cy="458787"/>
+          </a:xfrm>
+          <a:prstGeom prst="rect">
+            <a:avLst/>
+          </a:prstGeom>
+        </p:spPr>
+        <p:txBody>
+          <a:bodyPr vert="horz" lIns="91440" tIns="45720" rIns="91440" bIns="45720" rtlCol="0" anchor="b"/>
+          <a:lstStyle>
+            <a:lvl1pPr algn="l">
+              <a:defRPr sz="1200"/>
+            </a:lvl1pPr>
+          </a:lstStyle>
+          <a:p>
+            <a:endParaRPr lang="es-CO"/>
+          </a:p>
+        </p:txBody>
+      </p:sp>
+      <p:sp>
+        <p:nvSpPr>
+          <p:cNvPr id="7" name="Marcador de número de diapositiva 6"/>
+          <p:cNvSpPr>
+            <a:spLocks noGrp="1"/>
+          </p:cNvSpPr>
+          <p:nvPr>
+            <p:ph type="sldNum" sz="quarter" idx="5"/>
+          </p:nvPr>
+        </p:nvSpPr>
+        <p:spPr>
+          <a:xfrm>
+            <a:off x="3884613" y="8685213"/>
+            <a:ext cx="2971800" cy="458787"/>
+          </a:xfrm>
+          <a:prstGeom prst="rect">
+            <a:avLst/>
+          </a:prstGeom>
+        </p:spPr>
+        <p:txBody>
+          <a:bodyPr vert="horz" lIns="91440" tIns="45720" rIns="91440" bIns="45720" rtlCol="0" anchor="b"/>
+          <a:lstStyle>
+            <a:lvl1pPr algn="r">
+              <a:defRPr sz="1200"/>
+            </a:lvl1pPr>
+          </a:lstStyle>
+          <a:p>
+            <a:fld id="{2D95459F-923E-4286-8F4B-A34C2CB10CB9}" type="slidenum">
+              <a:rPr lang="es-CO" smtClean="0"/>
+              <a:t>‹Nº›</a:t>
+            </a:fld>
+            <a:endParaRPr lang="es-CO"/>
+          </a:p>
+        </p:txBody>
+      </p:sp>
+    </p:spTree>
+    <p:extLst>
+      <p:ext uri="{BB962C8B-B14F-4D97-AF65-F5344CB8AC3E}">
+        <p14:creationId xmlns:p14="http://schemas.microsoft.com/office/powerpoint/2010/main" val="1161300978"/>
+      </p:ext>
+    </p:extLst>
+  </p:cSld>
+  <p:clrMap bg1="lt1" tx1="dk1" bg2="lt2" tx2="dk2" accent1="accent1" accent2="accent2" accent3="accent3" accent4="accent4" accent5="accent5" accent6="accent6" hlink="hlink" folHlink="folHlink"/>
+  <p:notesStyle>
+    <a:lvl1pPr marL="0" algn="l" defTabSz="914400" rtl="0" eaLnBrk="1" latinLnBrk="0" hangingPunct="1">
+      <a:defRPr sz="1200" kern="1200">
+        <a:solidFill>
+          <a:schemeClr val="tx1"/>
+        </a:solidFill>
+        <a:latin typeface="+mn-lt"/>
+        <a:ea typeface="+mn-ea"/>
+        <a:cs typeface="+mn-cs"/>
+      </a:defRPr>
+    </a:lvl1pPr>
+    <a:lvl2pPr marL="457200" algn="l" defTabSz="914400" rtl="0" eaLnBrk="1" latinLnBrk="0" hangingPunct="1">
+      <a:defRPr sz="1200" kern="1200">
+        <a:solidFill>
+          <a:schemeClr val="tx1"/>
+        </a:solidFill>
+        <a:latin typeface="+mn-lt"/>
+        <a:ea typeface="+mn-ea"/>
+        <a:cs typeface="+mn-cs"/>
+      </a:defRPr>
+    </a:lvl2pPr>
+    <a:lvl3pPr marL="914400" algn="l" defTabSz="914400" rtl="0" eaLnBrk="1" latinLnBrk="0" hangingPunct="1">
+      <a:defRPr sz="1200" kern="1200">
+        <a:solidFill>
+          <a:schemeClr val="tx1"/>
+        </a:solidFill>
+        <a:latin typeface="+mn-lt"/>
+        <a:ea typeface="+mn-ea"/>
+        <a:cs typeface="+mn-cs"/>
+      </a:defRPr>
+    </a:lvl3pPr>
+    <a:lvl4pPr marL="1371600" algn="l" defTabSz="914400" rtl="0" eaLnBrk="1" latinLnBrk="0" hangingPunct="1">
+      <a:defRPr sz="1200" kern="1200">
+        <a:solidFill>
+          <a:schemeClr val="tx1"/>
+        </a:solidFill>
+        <a:latin typeface="+mn-lt"/>
+        <a:ea typeface="+mn-ea"/>
+        <a:cs typeface="+mn-cs"/>
+      </a:defRPr>
+    </a:lvl4pPr>
+    <a:lvl5pPr marL="1828800" algn="l" defTabSz="914400" rtl="0" eaLnBrk="1" latinLnBrk="0" hangingPunct="1">
+      <a:defRPr sz="1200" kern="1200">
+        <a:solidFill>
+          <a:schemeClr val="tx1"/>
+        </a:solidFill>
+        <a:latin typeface="+mn-lt"/>
+        <a:ea typeface="+mn-ea"/>
+        <a:cs typeface="+mn-cs"/>
+      </a:defRPr>
+    </a:lvl5pPr>
+    <a:lvl6pPr marL="2286000" algn="l" defTabSz="914400" rtl="0" eaLnBrk="1" latinLnBrk="0" hangingPunct="1">
+      <a:defRPr sz="1200" kern="1200">
+        <a:solidFill>
+          <a:schemeClr val="tx1"/>
+        </a:solidFill>
+        <a:latin typeface="+mn-lt"/>
+        <a:ea typeface="+mn-ea"/>
+        <a:cs typeface="+mn-cs"/>
+      </a:defRPr>
+    </a:lvl6pPr>
+    <a:lvl7pPr marL="2743200" algn="l" defTabSz="914400" rtl="0" eaLnBrk="1" latinLnBrk="0" hangingPunct="1">
+      <a:defRPr sz="1200" kern="1200">
+        <a:solidFill>
+          <a:schemeClr val="tx1"/>
+        </a:solidFill>
+        <a:latin typeface="+mn-lt"/>
+        <a:ea typeface="+mn-ea"/>
+        <a:cs typeface="+mn-cs"/>
+      </a:defRPr>
+    </a:lvl7pPr>
+    <a:lvl8pPr marL="3200400" algn="l" defTabSz="914400" rtl="0" eaLnBrk="1" latinLnBrk="0" hangingPunct="1">
+      <a:defRPr sz="1200" kern="1200">
+        <a:solidFill>
+          <a:schemeClr val="tx1"/>
+        </a:solidFill>
+        <a:latin typeface="+mn-lt"/>
+        <a:ea typeface="+mn-ea"/>
+        <a:cs typeface="+mn-cs"/>
+      </a:defRPr>
+    </a:lvl8pPr>
+    <a:lvl9pPr marL="3657600" algn="l" defTabSz="914400" rtl="0" eaLnBrk="1" latinLnBrk="0" hangingPunct="1">
+      <a:defRPr sz="1200" kern="1200">
+        <a:solidFill>
+          <a:schemeClr val="tx1"/>
+        </a:solidFill>
+        <a:latin typeface="+mn-lt"/>
+        <a:ea typeface="+mn-ea"/>
+        <a:cs typeface="+mn-cs"/>
+      </a:defRPr>
+    </a:lvl9pPr>
+  </p:notesStyle>
+</p:notesMaster>
+</file>
+
+<file path=ppt/notesSlides/notesSlide1.xml><?xml version="1.0" encoding="utf-8"?>
+<p:notes xmlns:a="http://schemas.openxmlformats.org/drawingml/2006/main" xmlns:r="http://schemas.openxmlformats.org/officeDocument/2006/relationships" xmlns:p="http://schemas.openxmlformats.org/presentationml/2006/main">
+  <p:cSld>
+    <p:spTree>
+      <p:nvGrpSpPr>
+        <p:cNvPr id="1" name=""/>
+        <p:cNvGrpSpPr/>
+        <p:nvPr/>
+      </p:nvGrpSpPr>
+      <p:grpSpPr>
+        <a:xfrm>
+          <a:off x="0" y="0"/>
+          <a:ext cx="0" cy="0"/>
+          <a:chOff x="0" y="0"/>
+          <a:chExt cx="0" cy="0"/>
+        </a:xfrm>
+      </p:grpSpPr>
+      <p:sp>
+        <p:nvSpPr>
+          <p:cNvPr id="2" name="Marcador de imagen de diapositiva 1"/>
+          <p:cNvSpPr>
+            <a:spLocks noGrp="1" noRot="1" noChangeAspect="1"/>
+          </p:cNvSpPr>
+          <p:nvPr>
+            <p:ph type="sldImg"/>
+          </p:nvPr>
+        </p:nvSpPr>
+        <p:spPr/>
+      </p:sp>
+      <p:sp>
+        <p:nvSpPr>
+          <p:cNvPr id="3" name="Marcador de notas 2"/>
+          <p:cNvSpPr>
+            <a:spLocks noGrp="1"/>
+          </p:cNvSpPr>
+          <p:nvPr>
+            <p:ph type="body" idx="1"/>
+          </p:nvPr>
+        </p:nvSpPr>
+        <p:spPr/>
+        <p:txBody>
+          <a:bodyPr/>
+          <a:lstStyle/>
+          <a:p>
+            <a:endParaRPr lang="es-CO"/>
+          </a:p>
+        </p:txBody>
+      </p:sp>
+      <p:sp>
+        <p:nvSpPr>
+          <p:cNvPr id="4" name="Marcador de número de diapositiva 3"/>
+          <p:cNvSpPr>
+            <a:spLocks noGrp="1"/>
+          </p:cNvSpPr>
+          <p:nvPr>
+            <p:ph type="sldNum" sz="quarter" idx="5"/>
+          </p:nvPr>
+        </p:nvSpPr>
+        <p:spPr/>
+        <p:txBody>
+          <a:bodyPr/>
+          <a:lstStyle/>
+          <a:p>
+            <a:fld id="{E8FCACBB-78DC-47DB-9C2D-00EE5B07B197}" type="slidenum">
+              <a:rPr lang="es-CO" smtClean="0"/>
+              <a:t>7</a:t>
+            </a:fld>
+            <a:endParaRPr lang="es-CO"/>
+          </a:p>
+        </p:txBody>
+      </p:sp>
+    </p:spTree>
+    <p:extLst>
+      <p:ext uri="{BB962C8B-B14F-4D97-AF65-F5344CB8AC3E}">
+        <p14:creationId xmlns:p14="http://schemas.microsoft.com/office/powerpoint/2010/main" val="166046468"/>
+      </p:ext>
+    </p:extLst>
+  </p:cSld>
+  <p:clrMapOvr>
+    <a:masterClrMapping/>
+  </p:clrMapOvr>
+</p:notes>
+</file>
+
 <file path=ppt/slideLayouts/slideLayout1.xml><?xml version="1.0" encoding="utf-8"?>
 <p:sldLayout xmlns:a="http://schemas.openxmlformats.org/drawingml/2006/main" xmlns:r="http://schemas.openxmlformats.org/officeDocument/2006/relationships" xmlns:p="http://schemas.openxmlformats.org/presentationml/2006/main" showMasterSp="0" type="title" preserve="1">
   <p:cSld name="Diapositiva de título">
@@ -286,7 +726,7 @@
             <a:fld id="{87DE6118-2437-4B30-8E3C-4D2BE6020583}" type="datetimeFigureOut">
               <a:rPr lang="en-US" dirty="0"/>
               <a:pPr/>
-              <a:t>4/2/2025</a:t>
+              <a:t>4/9/2025</a:t>
             </a:fld>
             <a:endParaRPr lang="en-US" dirty="0"/>
           </a:p>
@@ -612,7 +1052,7 @@
           <a:p>
             <a:fld id="{87DE6118-2437-4B30-8E3C-4D2BE6020583}" type="datetimeFigureOut">
               <a:rPr lang="en-US" dirty="0"/>
-              <a:t>4/2/2025</a:t>
+              <a:t>4/9/2025</a:t>
             </a:fld>
             <a:endParaRPr lang="en-US" dirty="0"/>
           </a:p>
@@ -787,7 +1227,7 @@
           <a:p>
             <a:fld id="{87DE6118-2437-4B30-8E3C-4D2BE6020583}" type="datetimeFigureOut">
               <a:rPr lang="en-US" dirty="0"/>
-              <a:t>4/2/2025</a:t>
+              <a:t>4/9/2025</a:t>
             </a:fld>
             <a:endParaRPr lang="en-US" dirty="0"/>
           </a:p>
@@ -952,7 +1392,7 @@
           <a:p>
             <a:fld id="{87DE6118-2437-4B30-8E3C-4D2BE6020583}" type="datetimeFigureOut">
               <a:rPr lang="en-US" dirty="0"/>
-              <a:t>4/2/2025</a:t>
+              <a:t>4/9/2025</a:t>
             </a:fld>
             <a:endParaRPr lang="en-US" dirty="0"/>
           </a:p>
@@ -1225,7 +1665,7 @@
             <a:fld id="{87DE6118-2437-4B30-8E3C-4D2BE6020583}" type="datetimeFigureOut">
               <a:rPr lang="en-US" dirty="0"/>
               <a:pPr/>
-              <a:t>4/2/2025</a:t>
+              <a:t>4/9/2025</a:t>
             </a:fld>
             <a:endParaRPr lang="en-US" dirty="0"/>
           </a:p>
@@ -1615,7 +2055,7 @@
           <a:p>
             <a:fld id="{87DE6118-2437-4B30-8E3C-4D2BE6020583}" type="datetimeFigureOut">
               <a:rPr lang="en-US" dirty="0"/>
-              <a:t>4/2/2025</a:t>
+              <a:t>4/9/2025</a:t>
             </a:fld>
             <a:endParaRPr lang="en-US" dirty="0"/>
           </a:p>
@@ -2087,7 +2527,7 @@
           <a:p>
             <a:fld id="{87DE6118-2437-4B30-8E3C-4D2BE6020583}" type="datetimeFigureOut">
               <a:rPr lang="en-US" dirty="0"/>
-              <a:t>4/2/2025</a:t>
+              <a:t>4/9/2025</a:t>
             </a:fld>
             <a:endParaRPr lang="en-US" dirty="0"/>
           </a:p>
@@ -2200,7 +2640,7 @@
           <a:p>
             <a:fld id="{87DE6118-2437-4B30-8E3C-4D2BE6020583}" type="datetimeFigureOut">
               <a:rPr lang="en-US" dirty="0"/>
-              <a:t>4/2/2025</a:t>
+              <a:t>4/9/2025</a:t>
             </a:fld>
             <a:endParaRPr lang="en-US" dirty="0"/>
           </a:p>
@@ -2290,7 +2730,7 @@
           <a:p>
             <a:fld id="{87DE6118-2437-4B30-8E3C-4D2BE6020583}" type="datetimeFigureOut">
               <a:rPr lang="en-US" dirty="0"/>
-              <a:t>4/2/2025</a:t>
+              <a:t>4/9/2025</a:t>
             </a:fld>
             <a:endParaRPr lang="en-US" dirty="0"/>
           </a:p>
@@ -2632,7 +3072,7 @@
             <a:fld id="{87DE6118-2437-4B30-8E3C-4D2BE6020583}" type="datetimeFigureOut">
               <a:rPr lang="en-US" dirty="0"/>
               <a:pPr/>
-              <a:t>4/2/2025</a:t>
+              <a:t>4/9/2025</a:t>
             </a:fld>
             <a:endParaRPr lang="en-US" dirty="0"/>
           </a:p>
@@ -3017,7 +3457,7 @@
             <a:fld id="{87DE6118-2437-4B30-8E3C-4D2BE6020583}" type="datetimeFigureOut">
               <a:rPr lang="en-US" dirty="0"/>
               <a:pPr/>
-              <a:t>4/2/2025</a:t>
+              <a:t>4/9/2025</a:t>
             </a:fld>
             <a:endParaRPr lang="en-US" dirty="0"/>
           </a:p>
@@ -3292,7 +3732,7 @@
             <a:fld id="{87DE6118-2437-4B30-8E3C-4D2BE6020583}" type="datetimeFigureOut">
               <a:rPr lang="en-US" dirty="0"/>
               <a:pPr/>
-              <a:t>4/2/2025</a:t>
+              <a:t>4/9/2025</a:t>
             </a:fld>
             <a:endParaRPr lang="en-US" dirty="0"/>
           </a:p>
@@ -4549,8 +4989,38 @@
         </p:blipFill>
         <p:spPr>
           <a:xfrm>
-            <a:off x="2094793" y="1289918"/>
+            <a:off x="1184790" y="1292034"/>
             <a:ext cx="8005382" cy="4242853"/>
+          </a:xfrm>
+          <a:prstGeom prst="rect">
+            <a:avLst/>
+          </a:prstGeom>
+        </p:spPr>
+      </p:pic>
+      <p:pic>
+        <p:nvPicPr>
+          <p:cNvPr id="6" name="Imagen 5" descr="Imagen en blanco y negro&#10;&#10;El contenido generado por IA puede ser incorrecto.">
+            <a:extLst>
+              <a:ext uri="{FF2B5EF4-FFF2-40B4-BE49-F238E27FC236}">
+                <a16:creationId xmlns:a16="http://schemas.microsoft.com/office/drawing/2014/main" id="{BC8889EB-5DE9-9B08-C3D3-DB22A0944263}"/>
+              </a:ext>
+            </a:extLst>
+          </p:cNvPr>
+          <p:cNvPicPr>
+            <a:picLocks noChangeAspect="1"/>
+          </p:cNvPicPr>
+          <p:nvPr/>
+        </p:nvPicPr>
+        <p:blipFill>
+          <a:blip r:embed="rId3"/>
+          <a:stretch>
+            <a:fillRect/>
+          </a:stretch>
+        </p:blipFill>
+        <p:spPr>
+          <a:xfrm>
+            <a:off x="9101595" y="3106993"/>
+            <a:ext cx="1456129" cy="1056660"/>
           </a:xfrm>
           <a:prstGeom prst="rect">
             <a:avLst/>
@@ -4635,14 +5105,14 @@
           <p:nvPr>
             <p:extLst>
               <p:ext uri="{D42A27DB-BD31-4B8C-83A1-F6EECF244321}">
-                <p14:modId xmlns:p14="http://schemas.microsoft.com/office/powerpoint/2010/main" val="61954651"/>
+                <p14:modId xmlns:p14="http://schemas.microsoft.com/office/powerpoint/2010/main" val="2862958952"/>
               </p:ext>
             </p:extLst>
           </p:nvPr>
         </p:nvGraphicFramePr>
         <p:xfrm>
           <a:off x="825910" y="1525912"/>
-          <a:ext cx="11248103" cy="4792023"/>
+          <a:ext cx="11248103" cy="4932042"/>
         </p:xfrm>
         <a:graphic>
           <a:graphicData uri="http://schemas.openxmlformats.org/drawingml/2006/table">
@@ -4789,6 +5259,12 @@
                     <a:bodyPr/>
                     <a:lstStyle/>
                     <a:p>
+                      <a:r>
+                        <a:rPr lang="en-US" sz="1200" dirty="0"/>
+                        <a:t>Product Owner, Backend Developer, Frontend Developer, QA Tester, UX/UI Designer.</a:t>
+                      </a:r>
+                    </a:p>
+                    <a:p>
                       <a:endParaRPr lang="es-CO" dirty="0"/>
                     </a:p>
                   </a:txBody>
@@ -4846,7 +5322,10 @@
                     <a:bodyPr/>
                     <a:lstStyle/>
                     <a:p>
-                      <a:endParaRPr lang="es-CO" dirty="0"/>
+                      <a:r>
+                        <a:rPr lang="es-CO" sz="1200" dirty="0"/>
+                        <a:t>Product Owner, Backend Developer, QA Tester, DevOps Engineer, Security Engineer.</a:t>
+                      </a:r>
                     </a:p>
                   </a:txBody>
                   <a:tcPr/>
@@ -4903,7 +5382,10 @@
                     <a:bodyPr/>
                     <a:lstStyle/>
                     <a:p>
-                      <a:endParaRPr lang="es-CO" dirty="0"/>
+                      <a:r>
+                        <a:rPr lang="es-CO" sz="1200" dirty="0"/>
+                        <a:t>Prodcut Owner, Backend Developer, QA Tester.</a:t>
+                      </a:r>
                     </a:p>
                   </a:txBody>
                   <a:tcPr/>
@@ -4951,49 +5433,6 @@
                         <a:t>La aplicación ofrecerá informes detallados sobre la salud financiera del emprendimiento, con gráficos y tendencias.</a:t>
                       </a:r>
                       <a:endParaRPr lang="es-CO" sz="1200" dirty="0"/>
-                    </a:p>
-                  </a:txBody>
-                  <a:tcPr/>
-                </a:tc>
-                <a:tc>
-                  <a:txBody>
-                    <a:bodyPr/>
-                    <a:lstStyle/>
-                    <a:p>
-                      <a:endParaRPr lang="es-CO" dirty="0"/>
-                    </a:p>
-                  </a:txBody>
-                  <a:tcPr/>
-                </a:tc>
-                <a:extLst>
-                  <a:ext uri="{0D108BD9-81ED-4DB2-BD59-A6C34878D82A}">
-                    <a16:rowId xmlns:a16="http://schemas.microsoft.com/office/drawing/2014/main" val="3954659773"/>
-                  </a:ext>
-                </a:extLst>
-              </a:tr>
-              <a:tr h="774381">
-                <a:tc>
-                  <a:txBody>
-                    <a:bodyPr/>
-                    <a:lstStyle/>
-                    <a:p>
-                      <a:r>
-                        <a:rPr lang="es-CO" dirty="0"/>
-                        <a:t>REQ-05</a:t>
-                      </a:r>
-                    </a:p>
-                  </a:txBody>
-                  <a:tcPr/>
-                </a:tc>
-                <a:tc>
-                  <a:txBody>
-                    <a:bodyPr/>
-                    <a:lstStyle/>
-                    <a:p>
-                      <a:r>
-                        <a:rPr lang="es-CO" dirty="0"/>
-                        <a:t>Alertas y notificaciones </a:t>
-                      </a:r>
                     </a:p>
                   </a:txBody>
                   <a:tcPr/>
@@ -5021,6 +5460,72 @@
                         <a:defRPr/>
                       </a:pPr>
                       <a:r>
+                        <a:rPr lang="en-US" sz="1200" dirty="0"/>
+                        <a:t>Product Owner, Backend Developer, Frontend Developer, QA Tester y UX/UI Designer.</a:t>
+                      </a:r>
+                    </a:p>
+                    <a:p>
+                      <a:endParaRPr lang="es-CO" sz="1200" dirty="0"/>
+                    </a:p>
+                  </a:txBody>
+                  <a:tcPr/>
+                </a:tc>
+                <a:extLst>
+                  <a:ext uri="{0D108BD9-81ED-4DB2-BD59-A6C34878D82A}">
+                    <a16:rowId xmlns:a16="http://schemas.microsoft.com/office/drawing/2014/main" val="3954659773"/>
+                  </a:ext>
+                </a:extLst>
+              </a:tr>
+              <a:tr h="774381">
+                <a:tc>
+                  <a:txBody>
+                    <a:bodyPr/>
+                    <a:lstStyle/>
+                    <a:p>
+                      <a:r>
+                        <a:rPr lang="es-CO" dirty="0"/>
+                        <a:t>REQ-05</a:t>
+                      </a:r>
+                    </a:p>
+                  </a:txBody>
+                  <a:tcPr/>
+                </a:tc>
+                <a:tc>
+                  <a:txBody>
+                    <a:bodyPr/>
+                    <a:lstStyle/>
+                    <a:p>
+                      <a:r>
+                        <a:rPr lang="es-CO" dirty="0"/>
+                        <a:t>Alertas y notificaciones </a:t>
+                      </a:r>
+                    </a:p>
+                  </a:txBody>
+                  <a:tcPr/>
+                </a:tc>
+                <a:tc>
+                  <a:txBody>
+                    <a:bodyPr/>
+                    <a:lstStyle/>
+                    <a:p>
+                      <a:pPr marL="0" marR="0" lvl="0" indent="0" algn="l" defTabSz="914400" rtl="0" eaLnBrk="1" fontAlgn="auto" latinLnBrk="0" hangingPunct="1">
+                        <a:lnSpc>
+                          <a:spcPct val="100000"/>
+                        </a:lnSpc>
+                        <a:spcBef>
+                          <a:spcPts val="0"/>
+                        </a:spcBef>
+                        <a:spcAft>
+                          <a:spcPts val="0"/>
+                        </a:spcAft>
+                        <a:buClrTx/>
+                        <a:buSzTx/>
+                        <a:buFontTx/>
+                        <a:buNone/>
+                        <a:tabLst/>
+                        <a:defRPr/>
+                      </a:pPr>
+                      <a:r>
                         <a:rPr lang="es-MX" sz="1200" b="0" dirty="0"/>
                         <a:t>La aplicación debe enviar recordatorios de pagos, vencimientos.</a:t>
                       </a:r>
@@ -5036,7 +5541,30 @@
                     <a:bodyPr/>
                     <a:lstStyle/>
                     <a:p>
-                      <a:endParaRPr lang="es-CO" dirty="0"/>
+                      <a:pPr marL="0" marR="0" lvl="0" indent="0" algn="l" defTabSz="914400" rtl="0" eaLnBrk="1" fontAlgn="auto" latinLnBrk="0" hangingPunct="1">
+                        <a:lnSpc>
+                          <a:spcPct val="100000"/>
+                        </a:lnSpc>
+                        <a:spcBef>
+                          <a:spcPts val="0"/>
+                        </a:spcBef>
+                        <a:spcAft>
+                          <a:spcPts val="0"/>
+                        </a:spcAft>
+                        <a:buClrTx/>
+                        <a:buSzTx/>
+                        <a:buFontTx/>
+                        <a:buNone/>
+                        <a:tabLst/>
+                        <a:defRPr/>
+                      </a:pPr>
+                      <a:r>
+                        <a:rPr lang="en-US" sz="1200" dirty="0"/>
+                        <a:t>Product Owner, Backend Developer, Frontend Developer, QA Tester.</a:t>
+                      </a:r>
+                    </a:p>
+                    <a:p>
+                      <a:endParaRPr lang="es-CO" sz="1200" dirty="0"/>
                     </a:p>
                   </a:txBody>
                   <a:tcPr/>
@@ -5055,6 +5583,2643 @@
     <p:extLst>
       <p:ext uri="{BB962C8B-B14F-4D97-AF65-F5344CB8AC3E}">
         <p14:creationId xmlns:p14="http://schemas.microsoft.com/office/powerpoint/2010/main" val="503462811"/>
+      </p:ext>
+    </p:extLst>
+  </p:cSld>
+  <p:clrMapOvr>
+    <a:masterClrMapping/>
+  </p:clrMapOvr>
+</p:sld>
+</file>
+
+<file path=ppt/slides/slide6.xml><?xml version="1.0" encoding="utf-8"?>
+<p:sld xmlns:a="http://schemas.openxmlformats.org/drawingml/2006/main" xmlns:r="http://schemas.openxmlformats.org/officeDocument/2006/relationships" xmlns:p="http://schemas.openxmlformats.org/presentationml/2006/main">
+  <p:cSld>
+    <p:spTree>
+      <p:nvGrpSpPr>
+        <p:cNvPr id="1" name="">
+          <a:extLst>
+            <a:ext uri="{FF2B5EF4-FFF2-40B4-BE49-F238E27FC236}">
+              <a16:creationId xmlns:a16="http://schemas.microsoft.com/office/drawing/2014/main" id="{548521FF-EB62-3BA1-7B96-919C15C7F3E1}"/>
+            </a:ext>
+          </a:extLst>
+        </p:cNvPr>
+        <p:cNvGrpSpPr/>
+        <p:nvPr/>
+      </p:nvGrpSpPr>
+      <p:grpSpPr>
+        <a:xfrm>
+          <a:off x="0" y="0"/>
+          <a:ext cx="0" cy="0"/>
+          <a:chOff x="0" y="0"/>
+          <a:chExt cx="0" cy="0"/>
+        </a:xfrm>
+      </p:grpSpPr>
+      <p:sp>
+        <p:nvSpPr>
+          <p:cNvPr id="2" name="Título 1">
+            <a:extLst>
+              <a:ext uri="{FF2B5EF4-FFF2-40B4-BE49-F238E27FC236}">
+                <a16:creationId xmlns:a16="http://schemas.microsoft.com/office/drawing/2014/main" id="{893E4FF5-0D05-0D46-47FF-70A94262DA9E}"/>
+              </a:ext>
+            </a:extLst>
+          </p:cNvPr>
+          <p:cNvSpPr>
+            <a:spLocks noGrp="1"/>
+          </p:cNvSpPr>
+          <p:nvPr>
+            <p:ph type="title"/>
+          </p:nvPr>
+        </p:nvSpPr>
+        <p:spPr>
+          <a:xfrm>
+            <a:off x="1295400" y="115325"/>
+            <a:ext cx="9601200" cy="690716"/>
+          </a:xfrm>
+        </p:spPr>
+        <p:txBody>
+          <a:bodyPr/>
+          <a:lstStyle/>
+          <a:p>
+            <a:r>
+              <a:rPr lang="es-CO" dirty="0"/>
+              <a:t>Requisitos No Funcionales</a:t>
+            </a:r>
+          </a:p>
+        </p:txBody>
+      </p:sp>
+      <p:graphicFrame>
+        <p:nvGraphicFramePr>
+          <p:cNvPr id="5" name="Tabla 4">
+            <a:extLst>
+              <a:ext uri="{FF2B5EF4-FFF2-40B4-BE49-F238E27FC236}">
+                <a16:creationId xmlns:a16="http://schemas.microsoft.com/office/drawing/2014/main" id="{00230DA4-DDC9-3FB9-2A59-12DFE5859022}"/>
+              </a:ext>
+            </a:extLst>
+          </p:cNvPr>
+          <p:cNvGraphicFramePr>
+            <a:graphicFrameLocks noGrp="1"/>
+          </p:cNvGraphicFramePr>
+          <p:nvPr>
+            <p:extLst>
+              <p:ext uri="{D42A27DB-BD31-4B8C-83A1-F6EECF244321}">
+                <p14:modId xmlns:p14="http://schemas.microsoft.com/office/powerpoint/2010/main" val="719767607"/>
+              </p:ext>
+            </p:extLst>
+          </p:nvPr>
+        </p:nvGraphicFramePr>
+        <p:xfrm>
+          <a:off x="799519" y="1126883"/>
+          <a:ext cx="11248103" cy="5654245"/>
+        </p:xfrm>
+        <a:graphic>
+          <a:graphicData uri="http://schemas.openxmlformats.org/drawingml/2006/table">
+            <a:tbl>
+              <a:tblPr firstRow="1" bandRow="1">
+                <a:tableStyleId>{073A0DAA-6AF3-43AB-8588-CEC1D06C72B9}</a:tableStyleId>
+              </a:tblPr>
+              <a:tblGrid>
+                <a:gridCol w="2849486">
+                  <a:extLst>
+                    <a:ext uri="{9D8B030D-6E8A-4147-A177-3AD203B41FA5}">
+                      <a16:colId xmlns:a16="http://schemas.microsoft.com/office/drawing/2014/main" val="1642429512"/>
+                    </a:ext>
+                  </a:extLst>
+                </a:gridCol>
+                <a:gridCol w="2799539">
+                  <a:extLst>
+                    <a:ext uri="{9D8B030D-6E8A-4147-A177-3AD203B41FA5}">
+                      <a16:colId xmlns:a16="http://schemas.microsoft.com/office/drawing/2014/main" val="130475606"/>
+                    </a:ext>
+                  </a:extLst>
+                </a:gridCol>
+                <a:gridCol w="2799539">
+                  <a:extLst>
+                    <a:ext uri="{9D8B030D-6E8A-4147-A177-3AD203B41FA5}">
+                      <a16:colId xmlns:a16="http://schemas.microsoft.com/office/drawing/2014/main" val="975757916"/>
+                    </a:ext>
+                  </a:extLst>
+                </a:gridCol>
+                <a:gridCol w="2799539">
+                  <a:extLst>
+                    <a:ext uri="{9D8B030D-6E8A-4147-A177-3AD203B41FA5}">
+                      <a16:colId xmlns:a16="http://schemas.microsoft.com/office/drawing/2014/main" val="1601971983"/>
+                    </a:ext>
+                  </a:extLst>
+                </a:gridCol>
+              </a:tblGrid>
+              <a:tr h="856504">
+                <a:tc>
+                  <a:txBody>
+                    <a:bodyPr/>
+                    <a:lstStyle/>
+                    <a:p>
+                      <a:pPr algn="ctr"/>
+                      <a:r>
+                        <a:rPr lang="es-CO" dirty="0"/>
+                        <a:t>ID</a:t>
+                      </a:r>
+                    </a:p>
+                  </a:txBody>
+                  <a:tcPr/>
+                </a:tc>
+                <a:tc>
+                  <a:txBody>
+                    <a:bodyPr/>
+                    <a:lstStyle/>
+                    <a:p>
+                      <a:pPr algn="ctr"/>
+                      <a:r>
+                        <a:rPr lang="es-CO" dirty="0"/>
+                        <a:t>Descripción</a:t>
+                      </a:r>
+                    </a:p>
+                  </a:txBody>
+                  <a:tcPr/>
+                </a:tc>
+                <a:tc>
+                  <a:txBody>
+                    <a:bodyPr/>
+                    <a:lstStyle/>
+                    <a:p>
+                      <a:pPr algn="ctr"/>
+                      <a:r>
+                        <a:rPr lang="es-CO" dirty="0"/>
+                        <a:t>Detalle</a:t>
+                      </a:r>
+                    </a:p>
+                  </a:txBody>
+                  <a:tcPr/>
+                </a:tc>
+                <a:tc>
+                  <a:txBody>
+                    <a:bodyPr/>
+                    <a:lstStyle/>
+                    <a:p>
+                      <a:pPr algn="ctr"/>
+                      <a:r>
+                        <a:rPr lang="es-CO" dirty="0"/>
+                        <a:t>Interesados</a:t>
+                      </a:r>
+                    </a:p>
+                  </a:txBody>
+                  <a:tcPr/>
+                </a:tc>
+                <a:extLst>
+                  <a:ext uri="{0D108BD9-81ED-4DB2-BD59-A6C34878D82A}">
+                    <a16:rowId xmlns:a16="http://schemas.microsoft.com/office/drawing/2014/main" val="2756158282"/>
+                  </a:ext>
+                </a:extLst>
+              </a:tr>
+              <a:tr h="774381">
+                <a:tc>
+                  <a:txBody>
+                    <a:bodyPr/>
+                    <a:lstStyle/>
+                    <a:p>
+                      <a:r>
+                        <a:rPr lang="es-CO" dirty="0"/>
+                        <a:t>NFR-01</a:t>
+                      </a:r>
+                    </a:p>
+                  </a:txBody>
+                  <a:tcPr/>
+                </a:tc>
+                <a:tc>
+                  <a:txBody>
+                    <a:bodyPr/>
+                    <a:lstStyle/>
+                    <a:p>
+                      <a:r>
+                        <a:rPr lang="es-CO" dirty="0"/>
+                        <a:t>Actualización de Datos en Tiempo Real</a:t>
+                      </a:r>
+                    </a:p>
+                  </a:txBody>
+                  <a:tcPr/>
+                </a:tc>
+                <a:tc>
+                  <a:txBody>
+                    <a:bodyPr/>
+                    <a:lstStyle/>
+                    <a:p>
+                      <a:r>
+                        <a:rPr lang="es-MX" sz="1200" dirty="0"/>
+                        <a:t>Cualquier ingreso o egreso registrado debe reflejarse en el balance general en un </a:t>
+                      </a:r>
+                      <a:r>
+                        <a:rPr lang="es-MX" sz="1200" b="0" dirty="0"/>
+                        <a:t>máximo de 2 segundos.</a:t>
+                      </a:r>
+                      <a:endParaRPr lang="es-CO" sz="1200" b="0" dirty="0"/>
+                    </a:p>
+                  </a:txBody>
+                  <a:tcPr/>
+                </a:tc>
+                <a:tc>
+                  <a:txBody>
+                    <a:bodyPr/>
+                    <a:lstStyle/>
+                    <a:p>
+                      <a:r>
+                        <a:rPr lang="en-US" sz="1200" dirty="0"/>
+                        <a:t>Product Owner, Backend Developer, Frontend Developer, QA Tester, Emprendedores (usuarios finales).</a:t>
+                      </a:r>
+                      <a:endParaRPr lang="es-CO" dirty="0"/>
+                    </a:p>
+                  </a:txBody>
+                  <a:tcPr/>
+                </a:tc>
+                <a:extLst>
+                  <a:ext uri="{0D108BD9-81ED-4DB2-BD59-A6C34878D82A}">
+                    <a16:rowId xmlns:a16="http://schemas.microsoft.com/office/drawing/2014/main" val="411559156"/>
+                  </a:ext>
+                </a:extLst>
+              </a:tr>
+              <a:tr h="774381">
+                <a:tc>
+                  <a:txBody>
+                    <a:bodyPr/>
+                    <a:lstStyle/>
+                    <a:p>
+                      <a:r>
+                        <a:rPr lang="es-CO" dirty="0"/>
+                        <a:t>NFR-02</a:t>
+                      </a:r>
+                    </a:p>
+                  </a:txBody>
+                  <a:tcPr/>
+                </a:tc>
+                <a:tc>
+                  <a:txBody>
+                    <a:bodyPr/>
+                    <a:lstStyle/>
+                    <a:p>
+                      <a:r>
+                        <a:rPr lang="es-CO" dirty="0"/>
+                        <a:t>Tiempo de Respuesta</a:t>
+                      </a:r>
+                    </a:p>
+                  </a:txBody>
+                  <a:tcPr/>
+                </a:tc>
+                <a:tc>
+                  <a:txBody>
+                    <a:bodyPr/>
+                    <a:lstStyle/>
+                    <a:p>
+                      <a:r>
+                        <a:rPr lang="es-MX" sz="1200" dirty="0"/>
+                        <a:t>El sistema debe procesar solicitudes del usuario (como generación de reportes o análisis con IA) en un </a:t>
+                      </a:r>
+                      <a:r>
+                        <a:rPr lang="es-MX" sz="1200" b="0" dirty="0"/>
+                        <a:t>tiempo inferior a 3 segundos bajo condiciones normales de </a:t>
+                      </a:r>
+                      <a:r>
+                        <a:rPr lang="es-MX" sz="1200" dirty="0"/>
+                        <a:t>uso.</a:t>
+                      </a:r>
+                      <a:endParaRPr lang="es-CO" sz="1200" b="0" dirty="0"/>
+                    </a:p>
+                  </a:txBody>
+                  <a:tcPr/>
+                </a:tc>
+                <a:tc>
+                  <a:txBody>
+                    <a:bodyPr/>
+                    <a:lstStyle/>
+                    <a:p>
+                      <a:r>
+                        <a:rPr lang="es-CO" sz="1200" dirty="0"/>
+                        <a:t>Backend Developer, QA Tester, DevOps Engineer, </a:t>
+                      </a:r>
+                      <a:r>
+                        <a:rPr lang="en-US" sz="1200" dirty="0"/>
+                        <a:t>Emprendedores (usuarios finales).</a:t>
+                      </a:r>
+                      <a:endParaRPr lang="es-CO" sz="1200" dirty="0"/>
+                    </a:p>
+                  </a:txBody>
+                  <a:tcPr/>
+                </a:tc>
+                <a:extLst>
+                  <a:ext uri="{0D108BD9-81ED-4DB2-BD59-A6C34878D82A}">
+                    <a16:rowId xmlns:a16="http://schemas.microsoft.com/office/drawing/2014/main" val="1198041008"/>
+                  </a:ext>
+                </a:extLst>
+              </a:tr>
+              <a:tr h="774381">
+                <a:tc>
+                  <a:txBody>
+                    <a:bodyPr/>
+                    <a:lstStyle/>
+                    <a:p>
+                      <a:r>
+                        <a:rPr lang="es-CO" dirty="0"/>
+                        <a:t>NFR-03</a:t>
+                      </a:r>
+                    </a:p>
+                  </a:txBody>
+                  <a:tcPr/>
+                </a:tc>
+                <a:tc>
+                  <a:txBody>
+                    <a:bodyPr/>
+                    <a:lstStyle/>
+                    <a:p>
+                      <a:r>
+                        <a:rPr lang="es-CO" dirty="0"/>
+                        <a:t>Tolerancia a Errores de Usuario</a:t>
+                      </a:r>
+                    </a:p>
+                  </a:txBody>
+                  <a:tcPr/>
+                </a:tc>
+                <a:tc>
+                  <a:txBody>
+                    <a:bodyPr/>
+                    <a:lstStyle/>
+                    <a:p>
+                      <a:r>
+                        <a:rPr lang="es-MX" sz="1200" b="0" dirty="0"/>
+                        <a:t>La interfaz debe permitir manejar errores comunes de ingreso (como campos vacíos o mal formato de número) mediante mensajes de validación amigables y sin bloquear el uso de la aplicación.</a:t>
+                      </a:r>
+                      <a:endParaRPr lang="es-CO" sz="1200" b="0" dirty="0"/>
+                    </a:p>
+                  </a:txBody>
+                  <a:tcPr/>
+                </a:tc>
+                <a:tc>
+                  <a:txBody>
+                    <a:bodyPr/>
+                    <a:lstStyle/>
+                    <a:p>
+                      <a:pPr marL="0" marR="0" lvl="0" indent="0" algn="l" defTabSz="914400" rtl="0" eaLnBrk="1" fontAlgn="auto" latinLnBrk="0" hangingPunct="1">
+                        <a:lnSpc>
+                          <a:spcPct val="100000"/>
+                        </a:lnSpc>
+                        <a:spcBef>
+                          <a:spcPts val="0"/>
+                        </a:spcBef>
+                        <a:spcAft>
+                          <a:spcPts val="0"/>
+                        </a:spcAft>
+                        <a:buClrTx/>
+                        <a:buSzTx/>
+                        <a:buFontTx/>
+                        <a:buNone/>
+                        <a:tabLst/>
+                        <a:defRPr/>
+                      </a:pPr>
+                      <a:r>
+                        <a:rPr lang="en-US" sz="1200" dirty="0"/>
+                        <a:t>Product Owner, Frontend Developer, QA Tester, Emprendedores (usuarios finales).</a:t>
+                      </a:r>
+                      <a:endParaRPr lang="es-CO" sz="1200" dirty="0"/>
+                    </a:p>
+                    <a:p>
+                      <a:endParaRPr lang="es-CO" sz="1200" dirty="0"/>
+                    </a:p>
+                  </a:txBody>
+                  <a:tcPr/>
+                </a:tc>
+                <a:extLst>
+                  <a:ext uri="{0D108BD9-81ED-4DB2-BD59-A6C34878D82A}">
+                    <a16:rowId xmlns:a16="http://schemas.microsoft.com/office/drawing/2014/main" val="629732763"/>
+                  </a:ext>
+                </a:extLst>
+              </a:tr>
+              <a:tr h="774381">
+                <a:tc>
+                  <a:txBody>
+                    <a:bodyPr/>
+                    <a:lstStyle/>
+                    <a:p>
+                      <a:r>
+                        <a:rPr lang="es-CO" dirty="0"/>
+                        <a:t>NFR-04</a:t>
+                      </a:r>
+                    </a:p>
+                  </a:txBody>
+                  <a:tcPr/>
+                </a:tc>
+                <a:tc>
+                  <a:txBody>
+                    <a:bodyPr/>
+                    <a:lstStyle/>
+                    <a:p>
+                      <a:r>
+                        <a:rPr lang="es-CO" dirty="0"/>
+                        <a:t>Compatibilidad Multiplataforma</a:t>
+                      </a:r>
+                    </a:p>
+                  </a:txBody>
+                  <a:tcPr/>
+                </a:tc>
+                <a:tc>
+                  <a:txBody>
+                    <a:bodyPr/>
+                    <a:lstStyle/>
+                    <a:p>
+                      <a:r>
+                        <a:rPr lang="es-MX" sz="1200" dirty="0"/>
+                        <a:t>La aplicación debe funcionar en dispositivos móviles y web para facilitar el acceso.</a:t>
+                      </a:r>
+                      <a:endParaRPr lang="es-CO" sz="1200" dirty="0"/>
+                    </a:p>
+                  </a:txBody>
+                  <a:tcPr/>
+                </a:tc>
+                <a:tc>
+                  <a:txBody>
+                    <a:bodyPr/>
+                    <a:lstStyle/>
+                    <a:p>
+                      <a:pPr marL="0" marR="0" lvl="0" indent="0" algn="l" defTabSz="914400" rtl="0" eaLnBrk="1" fontAlgn="auto" latinLnBrk="0" hangingPunct="1">
+                        <a:lnSpc>
+                          <a:spcPct val="100000"/>
+                        </a:lnSpc>
+                        <a:spcBef>
+                          <a:spcPts val="0"/>
+                        </a:spcBef>
+                        <a:spcAft>
+                          <a:spcPts val="0"/>
+                        </a:spcAft>
+                        <a:buClrTx/>
+                        <a:buSzTx/>
+                        <a:buFontTx/>
+                        <a:buNone/>
+                        <a:tabLst/>
+                        <a:defRPr/>
+                      </a:pPr>
+                      <a:r>
+                        <a:rPr lang="en-US" sz="1200" dirty="0"/>
+                        <a:t>Frontend Developer, QA Tester y UX/UI Designer, DevOps Engineer, Emprendedores (usuarios finales).</a:t>
+                      </a:r>
+                    </a:p>
+                    <a:p>
+                      <a:endParaRPr lang="es-CO" sz="1200" dirty="0"/>
+                    </a:p>
+                  </a:txBody>
+                  <a:tcPr/>
+                </a:tc>
+                <a:extLst>
+                  <a:ext uri="{0D108BD9-81ED-4DB2-BD59-A6C34878D82A}">
+                    <a16:rowId xmlns:a16="http://schemas.microsoft.com/office/drawing/2014/main" val="3954659773"/>
+                  </a:ext>
+                </a:extLst>
+              </a:tr>
+              <a:tr h="774381">
+                <a:tc>
+                  <a:txBody>
+                    <a:bodyPr/>
+                    <a:lstStyle/>
+                    <a:p>
+                      <a:r>
+                        <a:rPr lang="es-CO" dirty="0"/>
+                        <a:t>NFR-05</a:t>
+                      </a:r>
+                    </a:p>
+                  </a:txBody>
+                  <a:tcPr/>
+                </a:tc>
+                <a:tc>
+                  <a:txBody>
+                    <a:bodyPr/>
+                    <a:lstStyle/>
+                    <a:p>
+                      <a:r>
+                        <a:rPr lang="es-CO" dirty="0"/>
+                        <a:t>Seguridad de los Datos</a:t>
+                      </a:r>
+                    </a:p>
+                  </a:txBody>
+                  <a:tcPr/>
+                </a:tc>
+                <a:tc>
+                  <a:txBody>
+                    <a:bodyPr/>
+                    <a:lstStyle/>
+                    <a:p>
+                      <a:r>
+                        <a:rPr lang="es-MX" sz="1200" dirty="0"/>
+                        <a:t>La aplicación debe garantizar la protección de la información financiera mediante cifrado y autenticación segura.</a:t>
+                      </a:r>
+                      <a:endParaRPr lang="es-CO" sz="1200" dirty="0"/>
+                    </a:p>
+                  </a:txBody>
+                  <a:tcPr/>
+                </a:tc>
+                <a:tc>
+                  <a:txBody>
+                    <a:bodyPr/>
+                    <a:lstStyle/>
+                    <a:p>
+                      <a:pPr marL="0" marR="0" lvl="0" indent="0" algn="l" defTabSz="914400" rtl="0" eaLnBrk="1" fontAlgn="auto" latinLnBrk="0" hangingPunct="1">
+                        <a:lnSpc>
+                          <a:spcPct val="100000"/>
+                        </a:lnSpc>
+                        <a:spcBef>
+                          <a:spcPts val="0"/>
+                        </a:spcBef>
+                        <a:spcAft>
+                          <a:spcPts val="0"/>
+                        </a:spcAft>
+                        <a:buClrTx/>
+                        <a:buSzTx/>
+                        <a:buFontTx/>
+                        <a:buNone/>
+                        <a:tabLst/>
+                        <a:defRPr/>
+                      </a:pPr>
+                      <a:r>
+                        <a:rPr lang="en-US" sz="1200" dirty="0"/>
+                        <a:t>Product Owner, Backend Developer, Frontend Developer, QA Tester, Emprendedores (usuarios finales), security Engineer.</a:t>
+                      </a:r>
+                      <a:endParaRPr lang="es-CO" sz="1200" dirty="0"/>
+                    </a:p>
+                    <a:p>
+                      <a:endParaRPr lang="es-CO" sz="1200" dirty="0"/>
+                    </a:p>
+                  </a:txBody>
+                  <a:tcPr/>
+                </a:tc>
+                <a:extLst>
+                  <a:ext uri="{0D108BD9-81ED-4DB2-BD59-A6C34878D82A}">
+                    <a16:rowId xmlns:a16="http://schemas.microsoft.com/office/drawing/2014/main" val="2096351543"/>
+                  </a:ext>
+                </a:extLst>
+              </a:tr>
+            </a:tbl>
+          </a:graphicData>
+        </a:graphic>
+      </p:graphicFrame>
+    </p:spTree>
+    <p:extLst>
+      <p:ext uri="{BB962C8B-B14F-4D97-AF65-F5344CB8AC3E}">
+        <p14:creationId xmlns:p14="http://schemas.microsoft.com/office/powerpoint/2010/main" val="1869691700"/>
+      </p:ext>
+    </p:extLst>
+  </p:cSld>
+  <p:clrMapOvr>
+    <a:masterClrMapping/>
+  </p:clrMapOvr>
+</p:sld>
+</file>
+
+<file path=ppt/slides/slide7.xml><?xml version="1.0" encoding="utf-8"?>
+<p:sld xmlns:a="http://schemas.openxmlformats.org/drawingml/2006/main" xmlns:r="http://schemas.openxmlformats.org/officeDocument/2006/relationships" xmlns:p="http://schemas.openxmlformats.org/presentationml/2006/main">
+  <p:cSld>
+    <p:spTree>
+      <p:nvGrpSpPr>
+        <p:cNvPr id="1" name="">
+          <a:extLst>
+            <a:ext uri="{FF2B5EF4-FFF2-40B4-BE49-F238E27FC236}">
+              <a16:creationId xmlns:a16="http://schemas.microsoft.com/office/drawing/2014/main" id="{936D75B6-E102-9C7D-2BC6-548CFD8FD92C}"/>
+            </a:ext>
+          </a:extLst>
+        </p:cNvPr>
+        <p:cNvGrpSpPr/>
+        <p:nvPr/>
+      </p:nvGrpSpPr>
+      <p:grpSpPr>
+        <a:xfrm>
+          <a:off x="0" y="0"/>
+          <a:ext cx="0" cy="0"/>
+          <a:chOff x="0" y="0"/>
+          <a:chExt cx="0" cy="0"/>
+        </a:xfrm>
+      </p:grpSpPr>
+      <p:sp>
+        <p:nvSpPr>
+          <p:cNvPr id="2" name="Título 1">
+            <a:extLst>
+              <a:ext uri="{FF2B5EF4-FFF2-40B4-BE49-F238E27FC236}">
+                <a16:creationId xmlns:a16="http://schemas.microsoft.com/office/drawing/2014/main" id="{1212815A-45C6-6ACE-0F11-EC7EB203F742}"/>
+              </a:ext>
+            </a:extLst>
+          </p:cNvPr>
+          <p:cNvSpPr>
+            <a:spLocks noGrp="1"/>
+          </p:cNvSpPr>
+          <p:nvPr>
+            <p:ph type="title"/>
+          </p:nvPr>
+        </p:nvSpPr>
+        <p:spPr>
+          <a:xfrm>
+            <a:off x="1295400" y="115325"/>
+            <a:ext cx="9601200" cy="690716"/>
+          </a:xfrm>
+        </p:spPr>
+        <p:txBody>
+          <a:bodyPr/>
+          <a:lstStyle/>
+          <a:p>
+            <a:r>
+              <a:rPr lang="es-CO"/>
+              <a:t>Negociación Atributos de Calidad</a:t>
+            </a:r>
+          </a:p>
+        </p:txBody>
+      </p:sp>
+      <p:graphicFrame>
+        <p:nvGraphicFramePr>
+          <p:cNvPr id="3" name="Tabla 2">
+            <a:extLst>
+              <a:ext uri="{FF2B5EF4-FFF2-40B4-BE49-F238E27FC236}">
+                <a16:creationId xmlns:a16="http://schemas.microsoft.com/office/drawing/2014/main" id="{0839B742-CBC5-FF8F-CBAD-AAF2ADE40A2D}"/>
+              </a:ext>
+            </a:extLst>
+          </p:cNvPr>
+          <p:cNvGraphicFramePr>
+            <a:graphicFrameLocks noGrp="1"/>
+          </p:cNvGraphicFramePr>
+          <p:nvPr/>
+        </p:nvGraphicFramePr>
+        <p:xfrm>
+          <a:off x="943897" y="986640"/>
+          <a:ext cx="11031790" cy="5495309"/>
+        </p:xfrm>
+        <a:graphic>
+          <a:graphicData uri="http://schemas.openxmlformats.org/drawingml/2006/table">
+            <a:tbl>
+              <a:tblPr firstRow="1" bandRow="1">
+                <a:tableStyleId>{073A0DAA-6AF3-43AB-8588-CEC1D06C72B9}</a:tableStyleId>
+              </a:tblPr>
+              <a:tblGrid>
+                <a:gridCol w="1575970">
+                  <a:extLst>
+                    <a:ext uri="{9D8B030D-6E8A-4147-A177-3AD203B41FA5}">
+                      <a16:colId xmlns:a16="http://schemas.microsoft.com/office/drawing/2014/main" val="3231201788"/>
+                    </a:ext>
+                  </a:extLst>
+                </a:gridCol>
+                <a:gridCol w="1575970">
+                  <a:extLst>
+                    <a:ext uri="{9D8B030D-6E8A-4147-A177-3AD203B41FA5}">
+                      <a16:colId xmlns:a16="http://schemas.microsoft.com/office/drawing/2014/main" val="4007860515"/>
+                    </a:ext>
+                  </a:extLst>
+                </a:gridCol>
+                <a:gridCol w="1575970">
+                  <a:extLst>
+                    <a:ext uri="{9D8B030D-6E8A-4147-A177-3AD203B41FA5}">
+                      <a16:colId xmlns:a16="http://schemas.microsoft.com/office/drawing/2014/main" val="922718860"/>
+                    </a:ext>
+                  </a:extLst>
+                </a:gridCol>
+                <a:gridCol w="1575970">
+                  <a:extLst>
+                    <a:ext uri="{9D8B030D-6E8A-4147-A177-3AD203B41FA5}">
+                      <a16:colId xmlns:a16="http://schemas.microsoft.com/office/drawing/2014/main" val="3541166326"/>
+                    </a:ext>
+                  </a:extLst>
+                </a:gridCol>
+                <a:gridCol w="1575970">
+                  <a:extLst>
+                    <a:ext uri="{9D8B030D-6E8A-4147-A177-3AD203B41FA5}">
+                      <a16:colId xmlns:a16="http://schemas.microsoft.com/office/drawing/2014/main" val="2312906829"/>
+                    </a:ext>
+                  </a:extLst>
+                </a:gridCol>
+                <a:gridCol w="1575970">
+                  <a:extLst>
+                    <a:ext uri="{9D8B030D-6E8A-4147-A177-3AD203B41FA5}">
+                      <a16:colId xmlns:a16="http://schemas.microsoft.com/office/drawing/2014/main" val="2807117755"/>
+                    </a:ext>
+                  </a:extLst>
+                </a:gridCol>
+                <a:gridCol w="1575970">
+                  <a:extLst>
+                    <a:ext uri="{9D8B030D-6E8A-4147-A177-3AD203B41FA5}">
+                      <a16:colId xmlns:a16="http://schemas.microsoft.com/office/drawing/2014/main" val="2464848627"/>
+                    </a:ext>
+                  </a:extLst>
+                </a:gridCol>
+              </a:tblGrid>
+              <a:tr h="610590">
+                <a:tc>
+                  <a:txBody>
+                    <a:bodyPr/>
+                    <a:lstStyle/>
+                    <a:p>
+                      <a:pPr algn="ctr"/>
+                      <a:r>
+                        <a:rPr lang="es-CO" sz="1600"/>
+                        <a:t>StakeHolder</a:t>
+                      </a:r>
+                    </a:p>
+                  </a:txBody>
+                  <a:tcPr/>
+                </a:tc>
+                <a:tc>
+                  <a:txBody>
+                    <a:bodyPr/>
+                    <a:lstStyle/>
+                    <a:p>
+                      <a:pPr algn="ctr"/>
+                      <a:r>
+                        <a:rPr lang="es-CO" sz="1600"/>
+                        <a:t>Usabilidad</a:t>
+                      </a:r>
+                    </a:p>
+                  </a:txBody>
+                  <a:tcPr/>
+                </a:tc>
+                <a:tc>
+                  <a:txBody>
+                    <a:bodyPr/>
+                    <a:lstStyle/>
+                    <a:p>
+                      <a:pPr algn="ctr"/>
+                      <a:r>
+                        <a:rPr lang="es-CO" sz="1600"/>
+                        <a:t>Disponibilidad</a:t>
+                      </a:r>
+                    </a:p>
+                  </a:txBody>
+                  <a:tcPr/>
+                </a:tc>
+                <a:tc>
+                  <a:txBody>
+                    <a:bodyPr/>
+                    <a:lstStyle/>
+                    <a:p>
+                      <a:pPr algn="ctr"/>
+                      <a:r>
+                        <a:rPr lang="es-CO" sz="1600"/>
+                        <a:t>Rendimiento </a:t>
+                      </a:r>
+                    </a:p>
+                  </a:txBody>
+                  <a:tcPr/>
+                </a:tc>
+                <a:tc>
+                  <a:txBody>
+                    <a:bodyPr/>
+                    <a:lstStyle/>
+                    <a:p>
+                      <a:pPr algn="ctr"/>
+                      <a:r>
+                        <a:rPr lang="es-CO" sz="1600"/>
+                        <a:t>Escalabilidad</a:t>
+                      </a:r>
+                    </a:p>
+                  </a:txBody>
+                  <a:tcPr/>
+                </a:tc>
+                <a:tc>
+                  <a:txBody>
+                    <a:bodyPr/>
+                    <a:lstStyle/>
+                    <a:p>
+                      <a:pPr algn="ctr"/>
+                      <a:r>
+                        <a:rPr lang="es-CO" sz="1600"/>
+                        <a:t>Mantenibilidad</a:t>
+                      </a:r>
+                    </a:p>
+                  </a:txBody>
+                  <a:tcPr/>
+                </a:tc>
+                <a:tc>
+                  <a:txBody>
+                    <a:bodyPr/>
+                    <a:lstStyle/>
+                    <a:p>
+                      <a:pPr algn="ctr"/>
+                      <a:r>
+                        <a:rPr lang="es-CO" sz="1600"/>
+                        <a:t>Porcentaje Total</a:t>
+                      </a:r>
+                    </a:p>
+                  </a:txBody>
+                  <a:tcPr/>
+                </a:tc>
+                <a:extLst>
+                  <a:ext uri="{0D108BD9-81ED-4DB2-BD59-A6C34878D82A}">
+                    <a16:rowId xmlns:a16="http://schemas.microsoft.com/office/drawing/2014/main" val="302548193"/>
+                  </a:ext>
+                </a:extLst>
+              </a:tr>
+              <a:tr h="610590">
+                <a:tc>
+                  <a:txBody>
+                    <a:bodyPr/>
+                    <a:lstStyle/>
+                    <a:p>
+                      <a:pPr algn="ctr"/>
+                      <a:r>
+                        <a:rPr lang="es-CO" sz="1600"/>
+                        <a:t>Product Owner</a:t>
+                      </a:r>
+                    </a:p>
+                  </a:txBody>
+                  <a:tcPr/>
+                </a:tc>
+                <a:tc>
+                  <a:txBody>
+                    <a:bodyPr/>
+                    <a:lstStyle/>
+                    <a:p>
+                      <a:pPr algn="ctr"/>
+                      <a:r>
+                        <a:rPr lang="es-CO" sz="1600"/>
+                        <a:t>35%</a:t>
+                      </a:r>
+                    </a:p>
+                  </a:txBody>
+                  <a:tcPr/>
+                </a:tc>
+                <a:tc>
+                  <a:txBody>
+                    <a:bodyPr/>
+                    <a:lstStyle/>
+                    <a:p>
+                      <a:pPr algn="ctr"/>
+                      <a:r>
+                        <a:rPr lang="es-CO" sz="1600"/>
+                        <a:t>25%</a:t>
+                      </a:r>
+                    </a:p>
+                  </a:txBody>
+                  <a:tcPr/>
+                </a:tc>
+                <a:tc>
+                  <a:txBody>
+                    <a:bodyPr/>
+                    <a:lstStyle/>
+                    <a:p>
+                      <a:pPr algn="ctr"/>
+                      <a:r>
+                        <a:rPr lang="es-CO" sz="1600"/>
+                        <a:t>20%</a:t>
+                      </a:r>
+                    </a:p>
+                  </a:txBody>
+                  <a:tcPr/>
+                </a:tc>
+                <a:tc>
+                  <a:txBody>
+                    <a:bodyPr/>
+                    <a:lstStyle/>
+                    <a:p>
+                      <a:pPr algn="ctr"/>
+                      <a:r>
+                        <a:rPr lang="es-CO" sz="1600"/>
+                        <a:t>10%</a:t>
+                      </a:r>
+                    </a:p>
+                  </a:txBody>
+                  <a:tcPr/>
+                </a:tc>
+                <a:tc>
+                  <a:txBody>
+                    <a:bodyPr/>
+                    <a:lstStyle/>
+                    <a:p>
+                      <a:pPr algn="ctr"/>
+                      <a:r>
+                        <a:rPr lang="es-CO" sz="1600"/>
+                        <a:t>10%</a:t>
+                      </a:r>
+                    </a:p>
+                  </a:txBody>
+                  <a:tcPr/>
+                </a:tc>
+                <a:tc>
+                  <a:txBody>
+                    <a:bodyPr/>
+                    <a:lstStyle/>
+                    <a:p>
+                      <a:pPr algn="ctr"/>
+                      <a:r>
+                        <a:rPr lang="es-CO" sz="1600"/>
+                        <a:t>100%</a:t>
+                      </a:r>
+                    </a:p>
+                  </a:txBody>
+                  <a:tcPr/>
+                </a:tc>
+                <a:extLst>
+                  <a:ext uri="{0D108BD9-81ED-4DB2-BD59-A6C34878D82A}">
+                    <a16:rowId xmlns:a16="http://schemas.microsoft.com/office/drawing/2014/main" val="3613602789"/>
+                  </a:ext>
+                </a:extLst>
+              </a:tr>
+              <a:tr h="610590">
+                <a:tc>
+                  <a:txBody>
+                    <a:bodyPr/>
+                    <a:lstStyle/>
+                    <a:p>
+                      <a:pPr algn="ctr"/>
+                      <a:r>
+                        <a:rPr lang="es-CO" sz="1600"/>
+                        <a:t>Backend Dev</a:t>
+                      </a:r>
+                    </a:p>
+                  </a:txBody>
+                  <a:tcPr/>
+                </a:tc>
+                <a:tc>
+                  <a:txBody>
+                    <a:bodyPr/>
+                    <a:lstStyle/>
+                    <a:p>
+                      <a:pPr algn="ctr"/>
+                      <a:r>
+                        <a:rPr lang="es-CO" sz="1600"/>
+                        <a:t>10%</a:t>
+                      </a:r>
+                    </a:p>
+                  </a:txBody>
+                  <a:tcPr/>
+                </a:tc>
+                <a:tc>
+                  <a:txBody>
+                    <a:bodyPr/>
+                    <a:lstStyle/>
+                    <a:p>
+                      <a:pPr algn="ctr"/>
+                      <a:r>
+                        <a:rPr lang="es-CO" sz="1600"/>
+                        <a:t>20%</a:t>
+                      </a:r>
+                    </a:p>
+                  </a:txBody>
+                  <a:tcPr/>
+                </a:tc>
+                <a:tc>
+                  <a:txBody>
+                    <a:bodyPr/>
+                    <a:lstStyle/>
+                    <a:p>
+                      <a:pPr algn="ctr"/>
+                      <a:r>
+                        <a:rPr lang="es-CO" sz="1600"/>
+                        <a:t>30%</a:t>
+                      </a:r>
+                    </a:p>
+                  </a:txBody>
+                  <a:tcPr/>
+                </a:tc>
+                <a:tc>
+                  <a:txBody>
+                    <a:bodyPr/>
+                    <a:lstStyle/>
+                    <a:p>
+                      <a:pPr algn="ctr"/>
+                      <a:r>
+                        <a:rPr lang="es-CO" sz="1600"/>
+                        <a:t>25%</a:t>
+                      </a:r>
+                    </a:p>
+                  </a:txBody>
+                  <a:tcPr/>
+                </a:tc>
+                <a:tc>
+                  <a:txBody>
+                    <a:bodyPr/>
+                    <a:lstStyle/>
+                    <a:p>
+                      <a:pPr algn="ctr"/>
+                      <a:r>
+                        <a:rPr lang="es-CO" sz="1600"/>
+                        <a:t>15%</a:t>
+                      </a:r>
+                    </a:p>
+                  </a:txBody>
+                  <a:tcPr/>
+                </a:tc>
+                <a:tc>
+                  <a:txBody>
+                    <a:bodyPr/>
+                    <a:lstStyle/>
+                    <a:p>
+                      <a:pPr algn="ctr"/>
+                      <a:r>
+                        <a:rPr lang="es-CO" sz="1600"/>
+                        <a:t>100%</a:t>
+                      </a:r>
+                    </a:p>
+                  </a:txBody>
+                  <a:tcPr/>
+                </a:tc>
+                <a:extLst>
+                  <a:ext uri="{0D108BD9-81ED-4DB2-BD59-A6C34878D82A}">
+                    <a16:rowId xmlns:a16="http://schemas.microsoft.com/office/drawing/2014/main" val="4199016236"/>
+                  </a:ext>
+                </a:extLst>
+              </a:tr>
+              <a:tr h="610590">
+                <a:tc>
+                  <a:txBody>
+                    <a:bodyPr/>
+                    <a:lstStyle/>
+                    <a:p>
+                      <a:pPr algn="ctr"/>
+                      <a:r>
+                        <a:rPr lang="es-CO" sz="1600"/>
+                        <a:t>FrontEnd Dev</a:t>
+                      </a:r>
+                    </a:p>
+                  </a:txBody>
+                  <a:tcPr/>
+                </a:tc>
+                <a:tc>
+                  <a:txBody>
+                    <a:bodyPr/>
+                    <a:lstStyle/>
+                    <a:p>
+                      <a:pPr algn="ctr"/>
+                      <a:r>
+                        <a:rPr lang="es-CO" sz="1600"/>
+                        <a:t>45%</a:t>
+                      </a:r>
+                    </a:p>
+                  </a:txBody>
+                  <a:tcPr/>
+                </a:tc>
+                <a:tc>
+                  <a:txBody>
+                    <a:bodyPr/>
+                    <a:lstStyle/>
+                    <a:p>
+                      <a:pPr algn="ctr"/>
+                      <a:r>
+                        <a:rPr lang="es-CO" sz="1600"/>
+                        <a:t>20%</a:t>
+                      </a:r>
+                    </a:p>
+                  </a:txBody>
+                  <a:tcPr/>
+                </a:tc>
+                <a:tc>
+                  <a:txBody>
+                    <a:bodyPr/>
+                    <a:lstStyle/>
+                    <a:p>
+                      <a:pPr algn="ctr"/>
+                      <a:r>
+                        <a:rPr lang="es-CO" sz="1600"/>
+                        <a:t>20%</a:t>
+                      </a:r>
+                    </a:p>
+                  </a:txBody>
+                  <a:tcPr/>
+                </a:tc>
+                <a:tc>
+                  <a:txBody>
+                    <a:bodyPr/>
+                    <a:lstStyle/>
+                    <a:p>
+                      <a:pPr algn="ctr"/>
+                      <a:r>
+                        <a:rPr lang="es-CO" sz="1600"/>
+                        <a:t>10%</a:t>
+                      </a:r>
+                    </a:p>
+                  </a:txBody>
+                  <a:tcPr/>
+                </a:tc>
+                <a:tc>
+                  <a:txBody>
+                    <a:bodyPr/>
+                    <a:lstStyle/>
+                    <a:p>
+                      <a:pPr algn="ctr"/>
+                      <a:r>
+                        <a:rPr lang="es-CO" sz="1600"/>
+                        <a:t>5%</a:t>
+                      </a:r>
+                    </a:p>
+                  </a:txBody>
+                  <a:tcPr/>
+                </a:tc>
+                <a:tc>
+                  <a:txBody>
+                    <a:bodyPr/>
+                    <a:lstStyle/>
+                    <a:p>
+                      <a:pPr algn="ctr"/>
+                      <a:r>
+                        <a:rPr lang="es-CO" sz="1600"/>
+                        <a:t>100%</a:t>
+                      </a:r>
+                    </a:p>
+                  </a:txBody>
+                  <a:tcPr/>
+                </a:tc>
+                <a:extLst>
+                  <a:ext uri="{0D108BD9-81ED-4DB2-BD59-A6C34878D82A}">
+                    <a16:rowId xmlns:a16="http://schemas.microsoft.com/office/drawing/2014/main" val="679425738"/>
+                  </a:ext>
+                </a:extLst>
+              </a:tr>
+              <a:tr h="610590">
+                <a:tc>
+                  <a:txBody>
+                    <a:bodyPr/>
+                    <a:lstStyle/>
+                    <a:p>
+                      <a:pPr algn="ctr"/>
+                      <a:r>
+                        <a:rPr lang="es-CO" sz="1600"/>
+                        <a:t>DevOps Engineer</a:t>
+                      </a:r>
+                    </a:p>
+                  </a:txBody>
+                  <a:tcPr/>
+                </a:tc>
+                <a:tc>
+                  <a:txBody>
+                    <a:bodyPr/>
+                    <a:lstStyle/>
+                    <a:p>
+                      <a:pPr algn="ctr"/>
+                      <a:r>
+                        <a:rPr lang="es-CO" sz="1600"/>
+                        <a:t>10%</a:t>
+                      </a:r>
+                    </a:p>
+                  </a:txBody>
+                  <a:tcPr/>
+                </a:tc>
+                <a:tc>
+                  <a:txBody>
+                    <a:bodyPr/>
+                    <a:lstStyle/>
+                    <a:p>
+                      <a:pPr algn="ctr"/>
+                      <a:r>
+                        <a:rPr lang="es-CO" sz="1600"/>
+                        <a:t>35%</a:t>
+                      </a:r>
+                    </a:p>
+                  </a:txBody>
+                  <a:tcPr/>
+                </a:tc>
+                <a:tc>
+                  <a:txBody>
+                    <a:bodyPr/>
+                    <a:lstStyle/>
+                    <a:p>
+                      <a:pPr algn="ctr"/>
+                      <a:r>
+                        <a:rPr lang="es-CO" sz="1600"/>
+                        <a:t>25%</a:t>
+                      </a:r>
+                    </a:p>
+                  </a:txBody>
+                  <a:tcPr/>
+                </a:tc>
+                <a:tc>
+                  <a:txBody>
+                    <a:bodyPr/>
+                    <a:lstStyle/>
+                    <a:p>
+                      <a:pPr algn="ctr"/>
+                      <a:r>
+                        <a:rPr lang="es-CO" sz="1600"/>
+                        <a:t>20%</a:t>
+                      </a:r>
+                    </a:p>
+                  </a:txBody>
+                  <a:tcPr/>
+                </a:tc>
+                <a:tc>
+                  <a:txBody>
+                    <a:bodyPr/>
+                    <a:lstStyle/>
+                    <a:p>
+                      <a:pPr algn="ctr"/>
+                      <a:r>
+                        <a:rPr lang="es-CO" sz="1600"/>
+                        <a:t>10%</a:t>
+                      </a:r>
+                    </a:p>
+                  </a:txBody>
+                  <a:tcPr/>
+                </a:tc>
+                <a:tc>
+                  <a:txBody>
+                    <a:bodyPr/>
+                    <a:lstStyle/>
+                    <a:p>
+                      <a:pPr algn="ctr"/>
+                      <a:r>
+                        <a:rPr lang="es-CO" sz="1600"/>
+                        <a:t>100%</a:t>
+                      </a:r>
+                    </a:p>
+                  </a:txBody>
+                  <a:tcPr/>
+                </a:tc>
+                <a:extLst>
+                  <a:ext uri="{0D108BD9-81ED-4DB2-BD59-A6C34878D82A}">
+                    <a16:rowId xmlns:a16="http://schemas.microsoft.com/office/drawing/2014/main" val="3975403206"/>
+                  </a:ext>
+                </a:extLst>
+              </a:tr>
+              <a:tr h="610590">
+                <a:tc>
+                  <a:txBody>
+                    <a:bodyPr/>
+                    <a:lstStyle/>
+                    <a:p>
+                      <a:pPr algn="ctr"/>
+                      <a:r>
+                        <a:rPr lang="es-CO" sz="1600"/>
+                        <a:t>QA Tester</a:t>
+                      </a:r>
+                    </a:p>
+                  </a:txBody>
+                  <a:tcPr/>
+                </a:tc>
+                <a:tc>
+                  <a:txBody>
+                    <a:bodyPr/>
+                    <a:lstStyle/>
+                    <a:p>
+                      <a:pPr algn="ctr"/>
+                      <a:r>
+                        <a:rPr lang="es-CO" sz="1600"/>
+                        <a:t>25%</a:t>
+                      </a:r>
+                    </a:p>
+                  </a:txBody>
+                  <a:tcPr/>
+                </a:tc>
+                <a:tc>
+                  <a:txBody>
+                    <a:bodyPr/>
+                    <a:lstStyle/>
+                    <a:p>
+                      <a:pPr algn="ctr"/>
+                      <a:r>
+                        <a:rPr lang="es-CO" sz="1600"/>
+                        <a:t>25%</a:t>
+                      </a:r>
+                    </a:p>
+                  </a:txBody>
+                  <a:tcPr/>
+                </a:tc>
+                <a:tc>
+                  <a:txBody>
+                    <a:bodyPr/>
+                    <a:lstStyle/>
+                    <a:p>
+                      <a:pPr algn="ctr"/>
+                      <a:r>
+                        <a:rPr lang="es-CO" sz="1600"/>
+                        <a:t>25%</a:t>
+                      </a:r>
+                    </a:p>
+                  </a:txBody>
+                  <a:tcPr/>
+                </a:tc>
+                <a:tc>
+                  <a:txBody>
+                    <a:bodyPr/>
+                    <a:lstStyle/>
+                    <a:p>
+                      <a:pPr algn="ctr"/>
+                      <a:r>
+                        <a:rPr lang="es-CO" sz="1600"/>
+                        <a:t>15%</a:t>
+                      </a:r>
+                    </a:p>
+                  </a:txBody>
+                  <a:tcPr/>
+                </a:tc>
+                <a:tc>
+                  <a:txBody>
+                    <a:bodyPr/>
+                    <a:lstStyle/>
+                    <a:p>
+                      <a:pPr algn="ctr"/>
+                      <a:r>
+                        <a:rPr lang="es-CO" sz="1600"/>
+                        <a:t>10%</a:t>
+                      </a:r>
+                    </a:p>
+                  </a:txBody>
+                  <a:tcPr/>
+                </a:tc>
+                <a:tc>
+                  <a:txBody>
+                    <a:bodyPr/>
+                    <a:lstStyle/>
+                    <a:p>
+                      <a:pPr algn="ctr"/>
+                      <a:r>
+                        <a:rPr lang="es-CO" sz="1600"/>
+                        <a:t>100%</a:t>
+                      </a:r>
+                    </a:p>
+                  </a:txBody>
+                  <a:tcPr/>
+                </a:tc>
+                <a:extLst>
+                  <a:ext uri="{0D108BD9-81ED-4DB2-BD59-A6C34878D82A}">
+                    <a16:rowId xmlns:a16="http://schemas.microsoft.com/office/drawing/2014/main" val="1972712844"/>
+                  </a:ext>
+                </a:extLst>
+              </a:tr>
+              <a:tr h="610590">
+                <a:tc>
+                  <a:txBody>
+                    <a:bodyPr/>
+                    <a:lstStyle/>
+                    <a:p>
+                      <a:pPr algn="ctr"/>
+                      <a:r>
+                        <a:rPr lang="es-CO" sz="1600"/>
+                        <a:t>UX/UI Designer</a:t>
+                      </a:r>
+                    </a:p>
+                  </a:txBody>
+                  <a:tcPr/>
+                </a:tc>
+                <a:tc>
+                  <a:txBody>
+                    <a:bodyPr/>
+                    <a:lstStyle/>
+                    <a:p>
+                      <a:pPr algn="ctr"/>
+                      <a:r>
+                        <a:rPr lang="es-CO" sz="1600"/>
+                        <a:t>60%</a:t>
+                      </a:r>
+                    </a:p>
+                  </a:txBody>
+                  <a:tcPr/>
+                </a:tc>
+                <a:tc>
+                  <a:txBody>
+                    <a:bodyPr/>
+                    <a:lstStyle/>
+                    <a:p>
+                      <a:pPr algn="ctr"/>
+                      <a:r>
+                        <a:rPr lang="es-CO" sz="1600"/>
+                        <a:t>15%</a:t>
+                      </a:r>
+                    </a:p>
+                  </a:txBody>
+                  <a:tcPr/>
+                </a:tc>
+                <a:tc>
+                  <a:txBody>
+                    <a:bodyPr/>
+                    <a:lstStyle/>
+                    <a:p>
+                      <a:pPr algn="ctr"/>
+                      <a:r>
+                        <a:rPr lang="es-CO" sz="1600"/>
+                        <a:t>10%</a:t>
+                      </a:r>
+                    </a:p>
+                  </a:txBody>
+                  <a:tcPr/>
+                </a:tc>
+                <a:tc>
+                  <a:txBody>
+                    <a:bodyPr/>
+                    <a:lstStyle/>
+                    <a:p>
+                      <a:pPr algn="ctr"/>
+                      <a:r>
+                        <a:rPr lang="es-CO" sz="1600"/>
+                        <a:t>10%</a:t>
+                      </a:r>
+                    </a:p>
+                  </a:txBody>
+                  <a:tcPr/>
+                </a:tc>
+                <a:tc>
+                  <a:txBody>
+                    <a:bodyPr/>
+                    <a:lstStyle/>
+                    <a:p>
+                      <a:pPr algn="ctr"/>
+                      <a:r>
+                        <a:rPr lang="es-CO" sz="1600"/>
+                        <a:t>5%</a:t>
+                      </a:r>
+                    </a:p>
+                  </a:txBody>
+                  <a:tcPr/>
+                </a:tc>
+                <a:tc>
+                  <a:txBody>
+                    <a:bodyPr/>
+                    <a:lstStyle/>
+                    <a:p>
+                      <a:pPr algn="ctr"/>
+                      <a:r>
+                        <a:rPr lang="es-CO" sz="1600"/>
+                        <a:t>100%</a:t>
+                      </a:r>
+                    </a:p>
+                  </a:txBody>
+                  <a:tcPr/>
+                </a:tc>
+                <a:extLst>
+                  <a:ext uri="{0D108BD9-81ED-4DB2-BD59-A6C34878D82A}">
+                    <a16:rowId xmlns:a16="http://schemas.microsoft.com/office/drawing/2014/main" val="2592176792"/>
+                  </a:ext>
+                </a:extLst>
+              </a:tr>
+              <a:tr h="610590">
+                <a:tc>
+                  <a:txBody>
+                    <a:bodyPr/>
+                    <a:lstStyle/>
+                    <a:p>
+                      <a:pPr algn="ctr"/>
+                      <a:r>
+                        <a:rPr lang="es-CO" sz="1600"/>
+                        <a:t>Security Engineer</a:t>
+                      </a:r>
+                    </a:p>
+                  </a:txBody>
+                  <a:tcPr/>
+                </a:tc>
+                <a:tc>
+                  <a:txBody>
+                    <a:bodyPr/>
+                    <a:lstStyle/>
+                    <a:p>
+                      <a:pPr algn="ctr"/>
+                      <a:r>
+                        <a:rPr lang="es-CO" sz="1600"/>
+                        <a:t>10%</a:t>
+                      </a:r>
+                    </a:p>
+                  </a:txBody>
+                  <a:tcPr/>
+                </a:tc>
+                <a:tc>
+                  <a:txBody>
+                    <a:bodyPr/>
+                    <a:lstStyle/>
+                    <a:p>
+                      <a:pPr algn="ctr"/>
+                      <a:r>
+                        <a:rPr lang="es-CO" sz="1600"/>
+                        <a:t>15%</a:t>
+                      </a:r>
+                    </a:p>
+                  </a:txBody>
+                  <a:tcPr/>
+                </a:tc>
+                <a:tc>
+                  <a:txBody>
+                    <a:bodyPr/>
+                    <a:lstStyle/>
+                    <a:p>
+                      <a:pPr algn="ctr"/>
+                      <a:r>
+                        <a:rPr lang="es-CO" sz="1600"/>
+                        <a:t>20%</a:t>
+                      </a:r>
+                    </a:p>
+                  </a:txBody>
+                  <a:tcPr/>
+                </a:tc>
+                <a:tc>
+                  <a:txBody>
+                    <a:bodyPr/>
+                    <a:lstStyle/>
+                    <a:p>
+                      <a:pPr algn="ctr"/>
+                      <a:r>
+                        <a:rPr lang="es-CO" sz="1600"/>
+                        <a:t>20%</a:t>
+                      </a:r>
+                    </a:p>
+                  </a:txBody>
+                  <a:tcPr/>
+                </a:tc>
+                <a:tc>
+                  <a:txBody>
+                    <a:bodyPr/>
+                    <a:lstStyle/>
+                    <a:p>
+                      <a:pPr algn="ctr"/>
+                      <a:r>
+                        <a:rPr lang="es-CO" sz="1600"/>
+                        <a:t>40%</a:t>
+                      </a:r>
+                    </a:p>
+                  </a:txBody>
+                  <a:tcPr/>
+                </a:tc>
+                <a:tc>
+                  <a:txBody>
+                    <a:bodyPr/>
+                    <a:lstStyle/>
+                    <a:p>
+                      <a:pPr algn="ctr"/>
+                      <a:r>
+                        <a:rPr lang="es-CO" sz="1600"/>
+                        <a:t>100%</a:t>
+                      </a:r>
+                    </a:p>
+                  </a:txBody>
+                  <a:tcPr/>
+                </a:tc>
+                <a:extLst>
+                  <a:ext uri="{0D108BD9-81ED-4DB2-BD59-A6C34878D82A}">
+                    <a16:rowId xmlns:a16="http://schemas.microsoft.com/office/drawing/2014/main" val="482763549"/>
+                  </a:ext>
+                </a:extLst>
+              </a:tr>
+              <a:tr h="610589">
+                <a:tc>
+                  <a:txBody>
+                    <a:bodyPr/>
+                    <a:lstStyle/>
+                    <a:p>
+                      <a:pPr lvl="0" algn="ctr">
+                        <a:buNone/>
+                      </a:pPr>
+                      <a:r>
+                        <a:rPr lang="es-CO" sz="1600"/>
+                        <a:t>Peso</a:t>
+                      </a:r>
+                    </a:p>
+                  </a:txBody>
+                  <a:tcPr/>
+                </a:tc>
+                <a:tc>
+                  <a:txBody>
+                    <a:bodyPr/>
+                    <a:lstStyle/>
+                    <a:p>
+                      <a:pPr lvl="0" algn="ctr">
+                        <a:buNone/>
+                      </a:pPr>
+                      <a:r>
+                        <a:rPr lang="es-CO" sz="1600"/>
+                        <a:t>27.86%</a:t>
+                      </a:r>
+                    </a:p>
+                  </a:txBody>
+                  <a:tcPr/>
+                </a:tc>
+                <a:tc>
+                  <a:txBody>
+                    <a:bodyPr/>
+                    <a:lstStyle/>
+                    <a:p>
+                      <a:pPr lvl="0" algn="ctr">
+                        <a:buNone/>
+                      </a:pPr>
+                      <a:r>
+                        <a:rPr lang="es-CO" sz="1600"/>
+                        <a:t>22.14%</a:t>
+                      </a:r>
+                    </a:p>
+                  </a:txBody>
+                  <a:tcPr/>
+                </a:tc>
+                <a:tc>
+                  <a:txBody>
+                    <a:bodyPr/>
+                    <a:lstStyle/>
+                    <a:p>
+                      <a:pPr lvl="0" algn="ctr">
+                        <a:buNone/>
+                      </a:pPr>
+                      <a:r>
+                        <a:rPr lang="es-CO" sz="1600"/>
+                        <a:t>20.71%</a:t>
+                      </a:r>
+                    </a:p>
+                  </a:txBody>
+                  <a:tcPr/>
+                </a:tc>
+                <a:tc>
+                  <a:txBody>
+                    <a:bodyPr/>
+                    <a:lstStyle/>
+                    <a:p>
+                      <a:pPr lvl="0" algn="ctr">
+                        <a:buNone/>
+                      </a:pPr>
+                      <a:r>
+                        <a:rPr lang="es-CO" sz="1600"/>
+                        <a:t>15.71%</a:t>
+                      </a:r>
+                    </a:p>
+                  </a:txBody>
+                  <a:tcPr/>
+                </a:tc>
+                <a:tc>
+                  <a:txBody>
+                    <a:bodyPr/>
+                    <a:lstStyle/>
+                    <a:p>
+                      <a:pPr lvl="0" algn="ctr">
+                        <a:buNone/>
+                      </a:pPr>
+                      <a:r>
+                        <a:rPr lang="es-CO" sz="1600"/>
+                        <a:t>12.57%</a:t>
+                      </a:r>
+                    </a:p>
+                  </a:txBody>
+                  <a:tcPr/>
+                </a:tc>
+                <a:tc>
+                  <a:txBody>
+                    <a:bodyPr/>
+                    <a:lstStyle/>
+                    <a:p>
+                      <a:pPr lvl="0" algn="ctr">
+                        <a:buNone/>
+                      </a:pPr>
+                      <a:r>
+                        <a:rPr lang="es-CO" sz="1600"/>
+                        <a:t>100%</a:t>
+                      </a:r>
+                    </a:p>
+                  </a:txBody>
+                  <a:tcPr/>
+                </a:tc>
+                <a:extLst>
+                  <a:ext uri="{0D108BD9-81ED-4DB2-BD59-A6C34878D82A}">
+                    <a16:rowId xmlns:a16="http://schemas.microsoft.com/office/drawing/2014/main" val="3595744318"/>
+                  </a:ext>
+                </a:extLst>
+              </a:tr>
+            </a:tbl>
+          </a:graphicData>
+        </a:graphic>
+      </p:graphicFrame>
+    </p:spTree>
+    <p:extLst>
+      <p:ext uri="{BB962C8B-B14F-4D97-AF65-F5344CB8AC3E}">
+        <p14:creationId xmlns:p14="http://schemas.microsoft.com/office/powerpoint/2010/main" val="2970959839"/>
+      </p:ext>
+    </p:extLst>
+  </p:cSld>
+  <p:clrMapOvr>
+    <a:masterClrMapping/>
+  </p:clrMapOvr>
+</p:sld>
+</file>
+
+<file path=ppt/slides/slide8.xml><?xml version="1.0" encoding="utf-8"?>
+<p:sld xmlns:a="http://schemas.openxmlformats.org/drawingml/2006/main" xmlns:r="http://schemas.openxmlformats.org/officeDocument/2006/relationships" xmlns:p="http://schemas.openxmlformats.org/presentationml/2006/main">
+  <p:cSld>
+    <p:spTree>
+      <p:nvGrpSpPr>
+        <p:cNvPr id="1" name="">
+          <a:extLst>
+            <a:ext uri="{FF2B5EF4-FFF2-40B4-BE49-F238E27FC236}">
+              <a16:creationId xmlns:a16="http://schemas.microsoft.com/office/drawing/2014/main" id="{A37E5EFD-0605-4B19-26F2-FCBE69E8EA90}"/>
+            </a:ext>
+          </a:extLst>
+        </p:cNvPr>
+        <p:cNvGrpSpPr/>
+        <p:nvPr/>
+      </p:nvGrpSpPr>
+      <p:grpSpPr>
+        <a:xfrm>
+          <a:off x="0" y="0"/>
+          <a:ext cx="0" cy="0"/>
+          <a:chOff x="0" y="0"/>
+          <a:chExt cx="0" cy="0"/>
+        </a:xfrm>
+      </p:grpSpPr>
+      <p:sp>
+        <p:nvSpPr>
+          <p:cNvPr id="2" name="Título 1">
+            <a:extLst>
+              <a:ext uri="{FF2B5EF4-FFF2-40B4-BE49-F238E27FC236}">
+                <a16:creationId xmlns:a16="http://schemas.microsoft.com/office/drawing/2014/main" id="{45786672-6A43-BDDE-5E6F-A97FDA375A8C}"/>
+              </a:ext>
+            </a:extLst>
+          </p:cNvPr>
+          <p:cNvSpPr>
+            <a:spLocks noGrp="1"/>
+          </p:cNvSpPr>
+          <p:nvPr>
+            <p:ph type="title"/>
+          </p:nvPr>
+        </p:nvSpPr>
+        <p:spPr>
+          <a:xfrm>
+            <a:off x="1295400" y="115325"/>
+            <a:ext cx="9601200" cy="690716"/>
+          </a:xfrm>
+        </p:spPr>
+        <p:txBody>
+          <a:bodyPr/>
+          <a:lstStyle/>
+          <a:p>
+            <a:r>
+              <a:rPr lang="es-CO" dirty="0"/>
+              <a:t>Drivers Arquitectónicos</a:t>
+            </a:r>
+          </a:p>
+        </p:txBody>
+      </p:sp>
+      <p:graphicFrame>
+        <p:nvGraphicFramePr>
+          <p:cNvPr id="5" name="Tabla 4">
+            <a:extLst>
+              <a:ext uri="{FF2B5EF4-FFF2-40B4-BE49-F238E27FC236}">
+                <a16:creationId xmlns:a16="http://schemas.microsoft.com/office/drawing/2014/main" id="{F389F348-DCB2-84FD-ED2A-EFB2129DBE25}"/>
+              </a:ext>
+            </a:extLst>
+          </p:cNvPr>
+          <p:cNvGraphicFramePr>
+            <a:graphicFrameLocks noGrp="1"/>
+          </p:cNvGraphicFramePr>
+          <p:nvPr>
+            <p:extLst>
+              <p:ext uri="{D42A27DB-BD31-4B8C-83A1-F6EECF244321}">
+                <p14:modId xmlns:p14="http://schemas.microsoft.com/office/powerpoint/2010/main" val="501347075"/>
+              </p:ext>
+            </p:extLst>
+          </p:nvPr>
+        </p:nvGraphicFramePr>
+        <p:xfrm>
+          <a:off x="729341" y="859971"/>
+          <a:ext cx="10823559" cy="5791243"/>
+        </p:xfrm>
+        <a:graphic>
+          <a:graphicData uri="http://schemas.openxmlformats.org/drawingml/2006/table">
+            <a:tbl>
+              <a:tblPr firstRow="1" bandRow="1">
+                <a:tableStyleId>{073A0DAA-6AF3-43AB-8588-CEC1D06C72B9}</a:tableStyleId>
+              </a:tblPr>
+              <a:tblGrid>
+                <a:gridCol w="1679823">
+                  <a:extLst>
+                    <a:ext uri="{9D8B030D-6E8A-4147-A177-3AD203B41FA5}">
+                      <a16:colId xmlns:a16="http://schemas.microsoft.com/office/drawing/2014/main" val="1642429512"/>
+                    </a:ext>
+                  </a:extLst>
+                </a:gridCol>
+                <a:gridCol w="1523956">
+                  <a:extLst>
+                    <a:ext uri="{9D8B030D-6E8A-4147-A177-3AD203B41FA5}">
+                      <a16:colId xmlns:a16="http://schemas.microsoft.com/office/drawing/2014/main" val="130475606"/>
+                    </a:ext>
+                  </a:extLst>
+                </a:gridCol>
+                <a:gridCol w="1523956">
+                  <a:extLst>
+                    <a:ext uri="{9D8B030D-6E8A-4147-A177-3AD203B41FA5}">
+                      <a16:colId xmlns:a16="http://schemas.microsoft.com/office/drawing/2014/main" val="975757916"/>
+                    </a:ext>
+                  </a:extLst>
+                </a:gridCol>
+                <a:gridCol w="1523956">
+                  <a:extLst>
+                    <a:ext uri="{9D8B030D-6E8A-4147-A177-3AD203B41FA5}">
+                      <a16:colId xmlns:a16="http://schemas.microsoft.com/office/drawing/2014/main" val="1601971983"/>
+                    </a:ext>
+                  </a:extLst>
+                </a:gridCol>
+                <a:gridCol w="1523956">
+                  <a:extLst>
+                    <a:ext uri="{9D8B030D-6E8A-4147-A177-3AD203B41FA5}">
+                      <a16:colId xmlns:a16="http://schemas.microsoft.com/office/drawing/2014/main" val="3759437086"/>
+                    </a:ext>
+                  </a:extLst>
+                </a:gridCol>
+                <a:gridCol w="1523956">
+                  <a:extLst>
+                    <a:ext uri="{9D8B030D-6E8A-4147-A177-3AD203B41FA5}">
+                      <a16:colId xmlns:a16="http://schemas.microsoft.com/office/drawing/2014/main" val="1056027018"/>
+                    </a:ext>
+                  </a:extLst>
+                </a:gridCol>
+                <a:gridCol w="1523956">
+                  <a:extLst>
+                    <a:ext uri="{9D8B030D-6E8A-4147-A177-3AD203B41FA5}">
+                      <a16:colId xmlns:a16="http://schemas.microsoft.com/office/drawing/2014/main" val="1205398344"/>
+                    </a:ext>
+                  </a:extLst>
+                </a:gridCol>
+              </a:tblGrid>
+              <a:tr h="419644">
+                <a:tc>
+                  <a:txBody>
+                    <a:bodyPr/>
+                    <a:lstStyle/>
+                    <a:p>
+                      <a:pPr algn="ctr"/>
+                      <a:r>
+                        <a:rPr lang="es-CO"/>
+                        <a:t>Atributo</a:t>
+                      </a:r>
+                    </a:p>
+                  </a:txBody>
+                  <a:tcPr/>
+                </a:tc>
+                <a:tc>
+                  <a:txBody>
+                    <a:bodyPr/>
+                    <a:lstStyle/>
+                    <a:p>
+                      <a:pPr algn="ctr"/>
+                      <a:r>
+                        <a:rPr lang="es-CO"/>
+                        <a:t>Descripción</a:t>
+                      </a:r>
+                    </a:p>
+                  </a:txBody>
+                  <a:tcPr/>
+                </a:tc>
+                <a:tc>
+                  <a:txBody>
+                    <a:bodyPr/>
+                    <a:lstStyle/>
+                    <a:p>
+                      <a:pPr algn="ctr"/>
+                      <a:r>
+                        <a:rPr lang="es-CO"/>
+                        <a:t>Metrica</a:t>
+                      </a:r>
+                      <a:endParaRPr lang="es-CO" err="1"/>
+                    </a:p>
+                  </a:txBody>
+                  <a:tcPr/>
+                </a:tc>
+                <a:tc>
+                  <a:txBody>
+                    <a:bodyPr/>
+                    <a:lstStyle/>
+                    <a:p>
+                      <a:pPr lvl="0" algn="ctr">
+                        <a:buNone/>
+                      </a:pPr>
+                      <a:r>
+                        <a:rPr lang="es-CO"/>
+                        <a:t>Impacto</a:t>
+                      </a:r>
+                    </a:p>
+                  </a:txBody>
+                  <a:tcPr/>
+                </a:tc>
+                <a:tc>
+                  <a:txBody>
+                    <a:bodyPr/>
+                    <a:lstStyle/>
+                    <a:p>
+                      <a:pPr lvl="0" algn="ctr">
+                        <a:buNone/>
+                      </a:pPr>
+                      <a:r>
+                        <a:rPr lang="es-CO"/>
+                        <a:t>Dificultad</a:t>
+                      </a:r>
+                    </a:p>
+                  </a:txBody>
+                  <a:tcPr/>
+                </a:tc>
+                <a:tc>
+                  <a:txBody>
+                    <a:bodyPr/>
+                    <a:lstStyle/>
+                    <a:p>
+                      <a:pPr lvl="0" algn="ctr">
+                        <a:buNone/>
+                      </a:pPr>
+                      <a:r>
+                        <a:rPr lang="es-CO"/>
+                        <a:t>%Peso</a:t>
+                      </a:r>
+                    </a:p>
+                  </a:txBody>
+                  <a:tcPr/>
+                </a:tc>
+                <a:tc>
+                  <a:txBody>
+                    <a:bodyPr/>
+                    <a:lstStyle/>
+                    <a:p>
+                      <a:pPr lvl="0" algn="ctr">
+                        <a:buNone/>
+                      </a:pPr>
+                      <a:r>
+                        <a:rPr lang="es-CO"/>
+                        <a:t>Valor</a:t>
+                      </a:r>
+                    </a:p>
+                  </a:txBody>
+                  <a:tcPr/>
+                </a:tc>
+                <a:extLst>
+                  <a:ext uri="{0D108BD9-81ED-4DB2-BD59-A6C34878D82A}">
+                    <a16:rowId xmlns:a16="http://schemas.microsoft.com/office/drawing/2014/main" val="2756158282"/>
+                  </a:ext>
+                </a:extLst>
+              </a:tr>
+              <a:tr h="711569">
+                <a:tc>
+                  <a:txBody>
+                    <a:bodyPr/>
+                    <a:lstStyle/>
+                    <a:p>
+                      <a:pPr lvl="0">
+                        <a:buNone/>
+                      </a:pPr>
+                      <a:r>
+                        <a:rPr lang="es-CO"/>
+                        <a:t>Usabilidad</a:t>
+                      </a:r>
+                    </a:p>
+                    <a:p>
+                      <a:pPr lvl="0">
+                        <a:buNone/>
+                      </a:pPr>
+                      <a:endParaRPr lang="en-US"/>
+                    </a:p>
+                  </a:txBody>
+                  <a:tcPr/>
+                </a:tc>
+                <a:tc>
+                  <a:txBody>
+                    <a:bodyPr/>
+                    <a:lstStyle/>
+                    <a:p>
+                      <a:pPr lvl="0">
+                        <a:buNone/>
+                      </a:pPr>
+                      <a:r>
+                        <a:rPr lang="es-CO" sz="1200" b="0" i="0" u="none" strike="noStrike" noProof="0">
+                          <a:latin typeface="Franklin Gothic Book"/>
+                        </a:rPr>
+                        <a:t>Facilidad para que los emprendedores interactúen correctamente con la aplicación.</a:t>
+                      </a:r>
+                      <a:endParaRPr lang="en-US" sz="1200"/>
+                    </a:p>
+                  </a:txBody>
+                  <a:tcPr/>
+                </a:tc>
+                <a:tc>
+                  <a:txBody>
+                    <a:bodyPr/>
+                    <a:lstStyle/>
+                    <a:p>
+                      <a:r>
+                        <a:rPr lang="es-MX" sz="1200" dirty="0"/>
+                        <a:t>Nivel de facilidad de uso percibido por el </a:t>
+                      </a:r>
+                      <a:r>
+                        <a:rPr lang="es-MX" sz="1200"/>
+                        <a:t>usuario.z</a:t>
+                      </a:r>
+                      <a:endParaRPr lang="es-CO" sz="1200" dirty="0"/>
+                    </a:p>
+                  </a:txBody>
+                  <a:tcPr anchor="ctr"/>
+                </a:tc>
+                <a:tc>
+                  <a:txBody>
+                    <a:bodyPr/>
+                    <a:lstStyle/>
+                    <a:p>
+                      <a:pPr lvl="0" algn="ctr">
+                        <a:lnSpc>
+                          <a:spcPct val="100000"/>
+                        </a:lnSpc>
+                        <a:spcBef>
+                          <a:spcPts val="0"/>
+                        </a:spcBef>
+                        <a:spcAft>
+                          <a:spcPts val="0"/>
+                        </a:spcAft>
+                        <a:buNone/>
+                      </a:pPr>
+                      <a:r>
+                        <a:rPr lang="en-US" sz="1200"/>
+                        <a:t>3</a:t>
+                      </a:r>
+                    </a:p>
+                    <a:p>
+                      <a:pPr lvl="0" algn="ctr">
+                        <a:lnSpc>
+                          <a:spcPct val="100000"/>
+                        </a:lnSpc>
+                        <a:spcBef>
+                          <a:spcPts val="0"/>
+                        </a:spcBef>
+                        <a:spcAft>
+                          <a:spcPts val="0"/>
+                        </a:spcAft>
+                        <a:buNone/>
+                      </a:pPr>
+                      <a:endParaRPr lang="en-US" b="1"/>
+                    </a:p>
+                    <a:p>
+                      <a:pPr lvl="0" algn="ctr">
+                        <a:buNone/>
+                      </a:pPr>
+                      <a:endParaRPr lang="en-US" sz="1200"/>
+                    </a:p>
+                  </a:txBody>
+                  <a:tcPr/>
+                </a:tc>
+                <a:tc>
+                  <a:txBody>
+                    <a:bodyPr/>
+                    <a:lstStyle/>
+                    <a:p>
+                      <a:pPr lvl="0" algn="ctr">
+                        <a:buNone/>
+                      </a:pPr>
+                      <a:r>
+                        <a:rPr lang="en-US" sz="1200" dirty="0"/>
+                        <a:t>3</a:t>
+                      </a:r>
+                    </a:p>
+                  </a:txBody>
+                  <a:tcPr/>
+                </a:tc>
+                <a:tc>
+                  <a:txBody>
+                    <a:bodyPr/>
+                    <a:lstStyle/>
+                    <a:p>
+                      <a:pPr lvl="0" algn="ctr">
+                        <a:buNone/>
+                      </a:pPr>
+                      <a:r>
+                        <a:rPr lang="en-US" sz="1200" b="0" i="0" u="none" strike="noStrike" noProof="0">
+                          <a:solidFill>
+                            <a:srgbClr val="000000"/>
+                          </a:solidFill>
+                          <a:latin typeface="Franklin Gothic Book"/>
+                        </a:rPr>
+                        <a:t>27.86%</a:t>
+                      </a:r>
+                      <a:endParaRPr lang="en-US" sz="1200" b="0"/>
+                    </a:p>
+                  </a:txBody>
+                  <a:tcPr/>
+                </a:tc>
+                <a:tc>
+                  <a:txBody>
+                    <a:bodyPr/>
+                    <a:lstStyle/>
+                    <a:p>
+                      <a:pPr lvl="0" algn="ctr">
+                        <a:buNone/>
+                      </a:pPr>
+                      <a:r>
+                        <a:rPr lang="en-US" sz="1200"/>
+                        <a:t>167.16</a:t>
+                      </a:r>
+                    </a:p>
+                  </a:txBody>
+                  <a:tcPr/>
+                </a:tc>
+                <a:extLst>
+                  <a:ext uri="{0D108BD9-81ED-4DB2-BD59-A6C34878D82A}">
+                    <a16:rowId xmlns:a16="http://schemas.microsoft.com/office/drawing/2014/main" val="411559156"/>
+                  </a:ext>
+                </a:extLst>
+              </a:tr>
+              <a:tr h="1021740">
+                <a:tc>
+                  <a:txBody>
+                    <a:bodyPr/>
+                    <a:lstStyle/>
+                    <a:p>
+                      <a:pPr lvl="0">
+                        <a:buNone/>
+                      </a:pPr>
+                      <a:r>
+                        <a:rPr lang="es-CO"/>
+                        <a:t>Escalabilidad</a:t>
+                      </a:r>
+                      <a:endParaRPr lang="en-US"/>
+                    </a:p>
+                  </a:txBody>
+                  <a:tcPr/>
+                </a:tc>
+                <a:tc>
+                  <a:txBody>
+                    <a:bodyPr/>
+                    <a:lstStyle/>
+                    <a:p>
+                      <a:pPr lvl="0">
+                        <a:buNone/>
+                      </a:pPr>
+                      <a:r>
+                        <a:rPr lang="es-CO" sz="1200" b="0" i="0" u="none" strike="noStrike" noProof="0">
+                          <a:latin typeface="Franklin Gothic Book"/>
+                        </a:rPr>
+                        <a:t>Capacidad del sistema de crecer en usuarios y volumen de datos sin afectar la experiencia</a:t>
+                      </a:r>
+                      <a:endParaRPr lang="en-US" sz="1200"/>
+                    </a:p>
+                  </a:txBody>
+                  <a:tcPr/>
+                </a:tc>
+                <a:tc>
+                  <a:txBody>
+                    <a:bodyPr/>
+                    <a:lstStyle/>
+                    <a:p>
+                      <a:pPr lvl="0">
+                        <a:buNone/>
+                      </a:pPr>
+                      <a:r>
+                        <a:rPr lang="es-MX" sz="1200" dirty="0"/>
+                        <a:t>Capacidad del sistema para crecer sin perder rendimiento.</a:t>
+                      </a:r>
+                    </a:p>
+                  </a:txBody>
+                  <a:tcPr/>
+                </a:tc>
+                <a:tc>
+                  <a:txBody>
+                    <a:bodyPr/>
+                    <a:lstStyle/>
+                    <a:p>
+                      <a:pPr lvl="0" algn="ctr">
+                        <a:buNone/>
+                      </a:pPr>
+                      <a:r>
+                        <a:rPr lang="en-US" sz="1200"/>
+                        <a:t>2</a:t>
+                      </a:r>
+                    </a:p>
+                  </a:txBody>
+                  <a:tcPr/>
+                </a:tc>
+                <a:tc>
+                  <a:txBody>
+                    <a:bodyPr/>
+                    <a:lstStyle/>
+                    <a:p>
+                      <a:pPr lvl="0" algn="ctr">
+                        <a:buNone/>
+                      </a:pPr>
+                      <a:r>
+                        <a:rPr lang="en-US" sz="1200"/>
+                        <a:t>3</a:t>
+                      </a:r>
+                    </a:p>
+                  </a:txBody>
+                  <a:tcPr/>
+                </a:tc>
+                <a:tc>
+                  <a:txBody>
+                    <a:bodyPr/>
+                    <a:lstStyle/>
+                    <a:p>
+                      <a:pPr lvl="0" algn="ctr">
+                        <a:buNone/>
+                      </a:pPr>
+                      <a:r>
+                        <a:rPr lang="en-US" sz="1200"/>
+                        <a:t>15.71%</a:t>
+                      </a:r>
+                    </a:p>
+                  </a:txBody>
+                  <a:tcPr/>
+                </a:tc>
+                <a:tc>
+                  <a:txBody>
+                    <a:bodyPr/>
+                    <a:lstStyle/>
+                    <a:p>
+                      <a:pPr lvl="0" algn="ctr">
+                        <a:buNone/>
+                      </a:pPr>
+                      <a:r>
+                        <a:rPr lang="en-US" sz="1200" dirty="0"/>
+                        <a:t>78.55</a:t>
+                      </a:r>
+                    </a:p>
+                  </a:txBody>
+                  <a:tcPr/>
+                </a:tc>
+                <a:extLst>
+                  <a:ext uri="{0D108BD9-81ED-4DB2-BD59-A6C34878D82A}">
+                    <a16:rowId xmlns:a16="http://schemas.microsoft.com/office/drawing/2014/main" val="1198041008"/>
+                  </a:ext>
+                </a:extLst>
+              </a:tr>
+              <a:tr h="1240685">
+                <a:tc>
+                  <a:txBody>
+                    <a:bodyPr/>
+                    <a:lstStyle/>
+                    <a:p>
+                      <a:pPr lvl="0">
+                        <a:buNone/>
+                      </a:pPr>
+                      <a:r>
+                        <a:rPr lang="es-CO"/>
+                        <a:t>Rendimiento</a:t>
+                      </a:r>
+                      <a:endParaRPr lang="en-US"/>
+                    </a:p>
+                  </a:txBody>
+                  <a:tcPr/>
+                </a:tc>
+                <a:tc>
+                  <a:txBody>
+                    <a:bodyPr/>
+                    <a:lstStyle/>
+                    <a:p>
+                      <a:pPr lvl="0">
+                        <a:buNone/>
+                      </a:pPr>
+                      <a:r>
+                        <a:rPr lang="es-CO" sz="1200"/>
+                        <a:t>Tiempo de respuesta</a:t>
+                      </a:r>
+                      <a:endParaRPr lang="en-US" sz="1200"/>
+                    </a:p>
+                  </a:txBody>
+                  <a:tcPr/>
+                </a:tc>
+                <a:tc>
+                  <a:txBody>
+                    <a:bodyPr/>
+                    <a:lstStyle/>
+                    <a:p>
+                      <a:pPr lvl="0">
+                        <a:buNone/>
+                      </a:pPr>
+                      <a:r>
+                        <a:rPr lang="es-MX" sz="1200" dirty="0"/>
+                        <a:t>Rapidez del sistema en tareas clave.</a:t>
+                      </a:r>
+                      <a:endParaRPr lang="es-MX" sz="1200" b="0" dirty="0"/>
+                    </a:p>
+                  </a:txBody>
+                  <a:tcPr/>
+                </a:tc>
+                <a:tc>
+                  <a:txBody>
+                    <a:bodyPr/>
+                    <a:lstStyle/>
+                    <a:p>
+                      <a:pPr lvl="0" algn="ctr">
+                        <a:buNone/>
+                      </a:pPr>
+                      <a:r>
+                        <a:rPr lang="es-CO" sz="1200"/>
+                        <a:t>3</a:t>
+                      </a:r>
+                    </a:p>
+                  </a:txBody>
+                  <a:tcPr/>
+                </a:tc>
+                <a:tc>
+                  <a:txBody>
+                    <a:bodyPr/>
+                    <a:lstStyle/>
+                    <a:p>
+                      <a:pPr lvl="0" algn="ctr">
+                        <a:buNone/>
+                      </a:pPr>
+                      <a:r>
+                        <a:rPr lang="es-CO" sz="1200"/>
+                        <a:t>2</a:t>
+                      </a:r>
+                    </a:p>
+                  </a:txBody>
+                  <a:tcPr/>
+                </a:tc>
+                <a:tc>
+                  <a:txBody>
+                    <a:bodyPr/>
+                    <a:lstStyle/>
+                    <a:p>
+                      <a:pPr lvl="0" algn="ctr">
+                        <a:buNone/>
+                      </a:pPr>
+                      <a:r>
+                        <a:rPr lang="es-CO" sz="1200"/>
+                        <a:t>20.71%</a:t>
+                      </a:r>
+                    </a:p>
+                  </a:txBody>
+                  <a:tcPr/>
+                </a:tc>
+                <a:tc>
+                  <a:txBody>
+                    <a:bodyPr/>
+                    <a:lstStyle/>
+                    <a:p>
+                      <a:pPr lvl="0" algn="ctr">
+                        <a:buNone/>
+                      </a:pPr>
+                      <a:r>
+                        <a:rPr lang="es-CO" sz="1200"/>
+                        <a:t>103.55</a:t>
+                      </a:r>
+                    </a:p>
+                  </a:txBody>
+                  <a:tcPr/>
+                </a:tc>
+                <a:extLst>
+                  <a:ext uri="{0D108BD9-81ED-4DB2-BD59-A6C34878D82A}">
+                    <a16:rowId xmlns:a16="http://schemas.microsoft.com/office/drawing/2014/main" val="629732763"/>
+                  </a:ext>
+                </a:extLst>
+              </a:tr>
+              <a:tr h="821041">
+                <a:tc>
+                  <a:txBody>
+                    <a:bodyPr/>
+                    <a:lstStyle/>
+                    <a:p>
+                      <a:pPr lvl="0">
+                        <a:buNone/>
+                      </a:pPr>
+                      <a:r>
+                        <a:rPr lang="es-CO"/>
+                        <a:t>Disponibilidad</a:t>
+                      </a:r>
+                      <a:endParaRPr lang="en-US"/>
+                    </a:p>
+                    <a:p>
+                      <a:pPr lvl="0">
+                        <a:buNone/>
+                      </a:pPr>
+                      <a:endParaRPr lang="es-CO"/>
+                    </a:p>
+                  </a:txBody>
+                  <a:tcPr/>
+                </a:tc>
+                <a:tc>
+                  <a:txBody>
+                    <a:bodyPr/>
+                    <a:lstStyle/>
+                    <a:p>
+                      <a:pPr lvl="0">
+                        <a:buNone/>
+                      </a:pPr>
+                      <a:r>
+                        <a:rPr lang="es-CO" sz="1200" b="0" i="0" u="none" strike="noStrike" noProof="0">
+                          <a:latin typeface="Franklin Gothic Book"/>
+                        </a:rPr>
+                        <a:t>Acceso continuo a la aplicación, incluyendo notificaciones y datos actualizados.</a:t>
+                      </a:r>
+                      <a:endParaRPr lang="en-US" sz="1200"/>
+                    </a:p>
+                  </a:txBody>
+                  <a:tcPr/>
+                </a:tc>
+                <a:tc>
+                  <a:txBody>
+                    <a:bodyPr/>
+                    <a:lstStyle/>
+                    <a:p>
+                      <a:pPr lvl="0">
+                        <a:buNone/>
+                      </a:pPr>
+                      <a:r>
+                        <a:rPr lang="es-MX" sz="1200" dirty="0"/>
+                        <a:t>Estabilidad del sistema durante su uso.</a:t>
+                      </a:r>
+                    </a:p>
+                  </a:txBody>
+                  <a:tcPr/>
+                </a:tc>
+                <a:tc>
+                  <a:txBody>
+                    <a:bodyPr/>
+                    <a:lstStyle/>
+                    <a:p>
+                      <a:pPr marL="0" marR="0" lvl="0" indent="0" algn="ctr" rtl="0">
+                        <a:lnSpc>
+                          <a:spcPct val="100000"/>
+                        </a:lnSpc>
+                        <a:spcBef>
+                          <a:spcPts val="0"/>
+                        </a:spcBef>
+                        <a:spcAft>
+                          <a:spcPts val="0"/>
+                        </a:spcAft>
+                        <a:buClrTx/>
+                        <a:buSzTx/>
+                        <a:buFontTx/>
+                        <a:buNone/>
+                      </a:pPr>
+                      <a:r>
+                        <a:rPr lang="en-US" sz="1200"/>
+                        <a:t>3</a:t>
+                      </a:r>
+                    </a:p>
+                  </a:txBody>
+                  <a:tcPr/>
+                </a:tc>
+                <a:tc>
+                  <a:txBody>
+                    <a:bodyPr/>
+                    <a:lstStyle/>
+                    <a:p>
+                      <a:pPr lvl="0" algn="ctr">
+                        <a:buNone/>
+                      </a:pPr>
+                      <a:r>
+                        <a:rPr lang="es-CO" sz="1200"/>
+                        <a:t>2</a:t>
+                      </a:r>
+                    </a:p>
+                  </a:txBody>
+                  <a:tcPr/>
+                </a:tc>
+                <a:tc>
+                  <a:txBody>
+                    <a:bodyPr/>
+                    <a:lstStyle/>
+                    <a:p>
+                      <a:pPr lvl="0" algn="ctr">
+                        <a:buNone/>
+                      </a:pPr>
+                      <a:r>
+                        <a:rPr lang="es-CO" sz="1200"/>
+                        <a:t>22.14%</a:t>
+                      </a:r>
+                    </a:p>
+                  </a:txBody>
+                  <a:tcPr/>
+                </a:tc>
+                <a:tc>
+                  <a:txBody>
+                    <a:bodyPr/>
+                    <a:lstStyle/>
+                    <a:p>
+                      <a:pPr lvl="0" algn="ctr">
+                        <a:buNone/>
+                      </a:pPr>
+                      <a:r>
+                        <a:rPr lang="es-CO" sz="1200"/>
+                        <a:t>110.7</a:t>
+                      </a:r>
+                    </a:p>
+                  </a:txBody>
+                  <a:tcPr/>
+                </a:tc>
+                <a:extLst>
+                  <a:ext uri="{0D108BD9-81ED-4DB2-BD59-A6C34878D82A}">
+                    <a16:rowId xmlns:a16="http://schemas.microsoft.com/office/drawing/2014/main" val="3954659773"/>
+                  </a:ext>
+                </a:extLst>
+              </a:tr>
+              <a:tr h="930514">
+                <a:tc>
+                  <a:txBody>
+                    <a:bodyPr/>
+                    <a:lstStyle/>
+                    <a:p>
+                      <a:pPr lvl="0">
+                        <a:buNone/>
+                      </a:pPr>
+                      <a:r>
+                        <a:rPr lang="es-CO"/>
+                        <a:t>Mantenibilidad</a:t>
+                      </a:r>
+                    </a:p>
+                  </a:txBody>
+                  <a:tcPr/>
+                </a:tc>
+                <a:tc>
+                  <a:txBody>
+                    <a:bodyPr/>
+                    <a:lstStyle/>
+                    <a:p>
+                      <a:pPr lvl="0">
+                        <a:buNone/>
+                      </a:pPr>
+                      <a:r>
+                        <a:rPr lang="es-CO" sz="1200" b="0" i="0" u="none" strike="noStrike" noProof="0">
+                          <a:latin typeface="Franklin Gothic Book"/>
+                        </a:rPr>
+                        <a:t>Facilidad de actualizar, corregir errores y añadir nuevas funciones</a:t>
+                      </a:r>
+                      <a:endParaRPr lang="en-US" sz="1200"/>
+                    </a:p>
+                  </a:txBody>
+                  <a:tcPr/>
+                </a:tc>
+                <a:tc>
+                  <a:txBody>
+                    <a:bodyPr/>
+                    <a:lstStyle/>
+                    <a:p>
+                      <a:pPr lvl="0">
+                        <a:buNone/>
+                      </a:pPr>
+                      <a:r>
+                        <a:rPr lang="es-MX" sz="1200" dirty="0"/>
+                        <a:t>Facilidad para hacer cambios o correcciones.</a:t>
+                      </a:r>
+                    </a:p>
+                  </a:txBody>
+                  <a:tcPr/>
+                </a:tc>
+                <a:tc>
+                  <a:txBody>
+                    <a:bodyPr/>
+                    <a:lstStyle/>
+                    <a:p>
+                      <a:pPr marL="0" marR="0" lvl="0" indent="0" algn="ctr" rtl="0">
+                        <a:lnSpc>
+                          <a:spcPct val="100000"/>
+                        </a:lnSpc>
+                        <a:spcBef>
+                          <a:spcPts val="0"/>
+                        </a:spcBef>
+                        <a:spcAft>
+                          <a:spcPts val="0"/>
+                        </a:spcAft>
+                        <a:buClrTx/>
+                        <a:buSzTx/>
+                        <a:buFontTx/>
+                        <a:buNone/>
+                      </a:pPr>
+                      <a:r>
+                        <a:rPr lang="en-US" sz="1200"/>
+                        <a:t>2</a:t>
+                      </a:r>
+                    </a:p>
+                  </a:txBody>
+                  <a:tcPr/>
+                </a:tc>
+                <a:tc>
+                  <a:txBody>
+                    <a:bodyPr/>
+                    <a:lstStyle/>
+                    <a:p>
+                      <a:pPr lvl="0" algn="ctr">
+                        <a:buNone/>
+                      </a:pPr>
+                      <a:r>
+                        <a:rPr lang="es-CO" sz="1200"/>
+                        <a:t>2</a:t>
+                      </a:r>
+                    </a:p>
+                  </a:txBody>
+                  <a:tcPr/>
+                </a:tc>
+                <a:tc>
+                  <a:txBody>
+                    <a:bodyPr/>
+                    <a:lstStyle/>
+                    <a:p>
+                      <a:pPr lvl="0" algn="ctr">
+                        <a:buNone/>
+                      </a:pPr>
+                      <a:r>
+                        <a:rPr lang="es-CO" sz="1200"/>
+                        <a:t>13.57%</a:t>
+                      </a:r>
+                    </a:p>
+                  </a:txBody>
+                  <a:tcPr/>
+                </a:tc>
+                <a:tc>
+                  <a:txBody>
+                    <a:bodyPr/>
+                    <a:lstStyle/>
+                    <a:p>
+                      <a:pPr lvl="0" algn="ctr">
+                        <a:buNone/>
+                      </a:pPr>
+                      <a:r>
+                        <a:rPr lang="es-CO" sz="1200" dirty="0"/>
+                        <a:t>54.28</a:t>
+                      </a:r>
+                    </a:p>
+                  </a:txBody>
+                  <a:tcPr/>
+                </a:tc>
+                <a:extLst>
+                  <a:ext uri="{0D108BD9-81ED-4DB2-BD59-A6C34878D82A}">
+                    <a16:rowId xmlns:a16="http://schemas.microsoft.com/office/drawing/2014/main" val="2096351543"/>
+                  </a:ext>
+                </a:extLst>
+              </a:tr>
+            </a:tbl>
+          </a:graphicData>
+        </a:graphic>
+      </p:graphicFrame>
+    </p:spTree>
+    <p:extLst>
+      <p:ext uri="{BB962C8B-B14F-4D97-AF65-F5344CB8AC3E}">
+        <p14:creationId xmlns:p14="http://schemas.microsoft.com/office/powerpoint/2010/main" val="337235489"/>
       </p:ext>
     </p:extLst>
   </p:cSld>
@@ -5322,6 +8487,321 @@
 </a:theme>
 </file>
 
+<file path=ppt/theme/theme2.xml><?xml version="1.0" encoding="utf-8"?>
+<a:theme xmlns:a="http://schemas.openxmlformats.org/drawingml/2006/main" name="Tema de Office">
+  <a:themeElements>
+    <a:clrScheme name="Office">
+      <a:dk1>
+        <a:sysClr val="windowText" lastClr="000000"/>
+      </a:dk1>
+      <a:lt1>
+        <a:sysClr val="window" lastClr="FFFFFF"/>
+      </a:lt1>
+      <a:dk2>
+        <a:srgbClr val="0E2841"/>
+      </a:dk2>
+      <a:lt2>
+        <a:srgbClr val="E8E8E8"/>
+      </a:lt2>
+      <a:accent1>
+        <a:srgbClr val="156082"/>
+      </a:accent1>
+      <a:accent2>
+        <a:srgbClr val="E97132"/>
+      </a:accent2>
+      <a:accent3>
+        <a:srgbClr val="196B24"/>
+      </a:accent3>
+      <a:accent4>
+        <a:srgbClr val="0F9ED5"/>
+      </a:accent4>
+      <a:accent5>
+        <a:srgbClr val="A02B93"/>
+      </a:accent5>
+      <a:accent6>
+        <a:srgbClr val="4EA72E"/>
+      </a:accent6>
+      <a:hlink>
+        <a:srgbClr val="467886"/>
+      </a:hlink>
+      <a:folHlink>
+        <a:srgbClr val="96607D"/>
+      </a:folHlink>
+    </a:clrScheme>
+    <a:fontScheme name="Office">
+      <a:majorFont>
+        <a:latin typeface="Aptos Display" panose="02110004020202020204"/>
+        <a:ea typeface=""/>
+        <a:cs typeface=""/>
+        <a:font script="Jpan" typeface="游ゴシック Light"/>
+        <a:font script="Hang" typeface="맑은 고딕"/>
+        <a:font script="Hans" typeface="等线 Light"/>
+        <a:font script="Hant" typeface="新細明體"/>
+        <a:font script="Arab" typeface="Times New Roman"/>
+        <a:font script="Hebr" typeface="Times New Roman"/>
+        <a:font script="Thai" typeface="Angsana New"/>
+        <a:font script="Ethi" typeface="Nyala"/>
+        <a:font script="Beng" typeface="Vrinda"/>
+        <a:font script="Gujr" typeface="Shruti"/>
+        <a:font script="Khmr" typeface="MoolBoran"/>
+        <a:font script="Knda" typeface="Tunga"/>
+        <a:font script="Guru" typeface="Raavi"/>
+        <a:font script="Cans" typeface="Euphemia"/>
+        <a:font script="Cher" typeface="Plantagenet Cherokee"/>
+        <a:font script="Yiii" typeface="Microsoft Yi Baiti"/>
+        <a:font script="Tibt" typeface="Microsoft Himalaya"/>
+        <a:font script="Thaa" typeface="MV Boli"/>
+        <a:font script="Deva" typeface="Mangal"/>
+        <a:font script="Telu" typeface="Gautami"/>
+        <a:font script="Taml" typeface="Latha"/>
+        <a:font script="Syrc" typeface="Estrangelo Edessa"/>
+        <a:font script="Orya" typeface="Kalinga"/>
+        <a:font script="Mlym" typeface="Kartika"/>
+        <a:font script="Laoo" typeface="DokChampa"/>
+        <a:font script="Sinh" typeface="Iskoola Pota"/>
+        <a:font script="Mong" typeface="Mongolian Baiti"/>
+        <a:font script="Viet" typeface="Times New Roman"/>
+        <a:font script="Uigh" typeface="Microsoft Uighur"/>
+        <a:font script="Geor" typeface="Sylfaen"/>
+        <a:font script="Armn" typeface="Arial"/>
+        <a:font script="Bugi" typeface="Leelawadee UI"/>
+        <a:font script="Bopo" typeface="Microsoft JhengHei"/>
+        <a:font script="Java" typeface="Javanese Text"/>
+        <a:font script="Lisu" typeface="Segoe UI"/>
+        <a:font script="Mymr" typeface="Myanmar Text"/>
+        <a:font script="Nkoo" typeface="Ebrima"/>
+        <a:font script="Olck" typeface="Nirmala UI"/>
+        <a:font script="Osma" typeface="Ebrima"/>
+        <a:font script="Phag" typeface="Phagspa"/>
+        <a:font script="Syrn" typeface="Estrangelo Edessa"/>
+        <a:font script="Syrj" typeface="Estrangelo Edessa"/>
+        <a:font script="Syre" typeface="Estrangelo Edessa"/>
+        <a:font script="Sora" typeface="Nirmala UI"/>
+        <a:font script="Tale" typeface="Microsoft Tai Le"/>
+        <a:font script="Talu" typeface="Microsoft New Tai Lue"/>
+        <a:font script="Tfng" typeface="Ebrima"/>
+      </a:majorFont>
+      <a:minorFont>
+        <a:latin typeface="Aptos" panose="02110004020202020204"/>
+        <a:ea typeface=""/>
+        <a:cs typeface=""/>
+        <a:font script="Jpan" typeface="游ゴシック"/>
+        <a:font script="Hang" typeface="맑은 고딕"/>
+        <a:font script="Hans" typeface="等线"/>
+        <a:font script="Hant" typeface="新細明體"/>
+        <a:font script="Arab" typeface="Arial"/>
+        <a:font script="Hebr" typeface="Arial"/>
+        <a:font script="Thai" typeface="Cordia New"/>
+        <a:font script="Ethi" typeface="Nyala"/>
+        <a:font script="Beng" typeface="Vrinda"/>
+        <a:font script="Gujr" typeface="Shruti"/>
+        <a:font script="Khmr" typeface="DaunPenh"/>
+        <a:font script="Knda" typeface="Tunga"/>
+        <a:font script="Guru" typeface="Raavi"/>
+        <a:font script="Cans" typeface="Euphemia"/>
+        <a:font script="Cher" typeface="Plantagenet Cherokee"/>
+        <a:font script="Yiii" typeface="Microsoft Yi Baiti"/>
+        <a:font script="Tibt" typeface="Microsoft Himalaya"/>
+        <a:font script="Thaa" typeface="MV Boli"/>
+        <a:font script="Deva" typeface="Mangal"/>
+        <a:font script="Telu" typeface="Gautami"/>
+        <a:font script="Taml" typeface="Latha"/>
+        <a:font script="Syrc" typeface="Estrangelo Edessa"/>
+        <a:font script="Orya" typeface="Kalinga"/>
+        <a:font script="Mlym" typeface="Kartika"/>
+        <a:font script="Laoo" typeface="DokChampa"/>
+        <a:font script="Sinh" typeface="Iskoola Pota"/>
+        <a:font script="Mong" typeface="Mongolian Baiti"/>
+        <a:font script="Viet" typeface="Arial"/>
+        <a:font script="Uigh" typeface="Microsoft Uighur"/>
+        <a:font script="Geor" typeface="Sylfaen"/>
+        <a:font script="Armn" typeface="Arial"/>
+        <a:font script="Bugi" typeface="Leelawadee UI"/>
+        <a:font script="Bopo" typeface="Microsoft JhengHei"/>
+        <a:font script="Java" typeface="Javanese Text"/>
+        <a:font script="Lisu" typeface="Segoe UI"/>
+        <a:font script="Mymr" typeface="Myanmar Text"/>
+        <a:font script="Nkoo" typeface="Ebrima"/>
+        <a:font script="Olck" typeface="Nirmala UI"/>
+        <a:font script="Osma" typeface="Ebrima"/>
+        <a:font script="Phag" typeface="Phagspa"/>
+        <a:font script="Syrn" typeface="Estrangelo Edessa"/>
+        <a:font script="Syrj" typeface="Estrangelo Edessa"/>
+        <a:font script="Syre" typeface="Estrangelo Edessa"/>
+        <a:font script="Sora" typeface="Nirmala UI"/>
+        <a:font script="Tale" typeface="Microsoft Tai Le"/>
+        <a:font script="Talu" typeface="Microsoft New Tai Lue"/>
+        <a:font script="Tfng" typeface="Ebrima"/>
+      </a:minorFont>
+    </a:fontScheme>
+    <a:fmtScheme name="Office">
+      <a:fillStyleLst>
+        <a:solidFill>
+          <a:schemeClr val="phClr"/>
+        </a:solidFill>
+        <a:gradFill rotWithShape="1">
+          <a:gsLst>
+            <a:gs pos="0">
+              <a:schemeClr val="phClr">
+                <a:lumMod val="110000"/>
+                <a:satMod val="105000"/>
+                <a:tint val="67000"/>
+              </a:schemeClr>
+            </a:gs>
+            <a:gs pos="50000">
+              <a:schemeClr val="phClr">
+                <a:lumMod val="105000"/>
+                <a:satMod val="103000"/>
+                <a:tint val="73000"/>
+              </a:schemeClr>
+            </a:gs>
+            <a:gs pos="100000">
+              <a:schemeClr val="phClr">
+                <a:lumMod val="105000"/>
+                <a:satMod val="109000"/>
+                <a:tint val="81000"/>
+              </a:schemeClr>
+            </a:gs>
+          </a:gsLst>
+          <a:lin ang="5400000" scaled="0"/>
+        </a:gradFill>
+        <a:gradFill rotWithShape="1">
+          <a:gsLst>
+            <a:gs pos="0">
+              <a:schemeClr val="phClr">
+                <a:satMod val="103000"/>
+                <a:lumMod val="102000"/>
+                <a:tint val="94000"/>
+              </a:schemeClr>
+            </a:gs>
+            <a:gs pos="50000">
+              <a:schemeClr val="phClr">
+                <a:satMod val="110000"/>
+                <a:lumMod val="100000"/>
+                <a:shade val="100000"/>
+              </a:schemeClr>
+            </a:gs>
+            <a:gs pos="100000">
+              <a:schemeClr val="phClr">
+                <a:lumMod val="99000"/>
+                <a:satMod val="120000"/>
+                <a:shade val="78000"/>
+              </a:schemeClr>
+            </a:gs>
+          </a:gsLst>
+          <a:lin ang="5400000" scaled="0"/>
+        </a:gradFill>
+      </a:fillStyleLst>
+      <a:lnStyleLst>
+        <a:ln w="12700" cap="flat" cmpd="sng" algn="ctr">
+          <a:solidFill>
+            <a:schemeClr val="phClr"/>
+          </a:solidFill>
+          <a:prstDash val="solid"/>
+          <a:miter lim="800000"/>
+        </a:ln>
+        <a:ln w="19050" cap="flat" cmpd="sng" algn="ctr">
+          <a:solidFill>
+            <a:schemeClr val="phClr"/>
+          </a:solidFill>
+          <a:prstDash val="solid"/>
+          <a:miter lim="800000"/>
+        </a:ln>
+        <a:ln w="25400" cap="flat" cmpd="sng" algn="ctr">
+          <a:solidFill>
+            <a:schemeClr val="phClr"/>
+          </a:solidFill>
+          <a:prstDash val="solid"/>
+          <a:miter lim="800000"/>
+        </a:ln>
+      </a:lnStyleLst>
+      <a:effectStyleLst>
+        <a:effectStyle>
+          <a:effectLst/>
+        </a:effectStyle>
+        <a:effectStyle>
+          <a:effectLst/>
+        </a:effectStyle>
+        <a:effectStyle>
+          <a:effectLst>
+            <a:outerShdw blurRad="57150" dist="19050" dir="5400000" algn="ctr" rotWithShape="0">
+              <a:srgbClr val="000000">
+                <a:alpha val="63000"/>
+              </a:srgbClr>
+            </a:outerShdw>
+          </a:effectLst>
+        </a:effectStyle>
+      </a:effectStyleLst>
+      <a:bgFillStyleLst>
+        <a:solidFill>
+          <a:schemeClr val="phClr"/>
+        </a:solidFill>
+        <a:solidFill>
+          <a:schemeClr val="phClr">
+            <a:tint val="95000"/>
+            <a:satMod val="170000"/>
+          </a:schemeClr>
+        </a:solidFill>
+        <a:gradFill rotWithShape="1">
+          <a:gsLst>
+            <a:gs pos="0">
+              <a:schemeClr val="phClr">
+                <a:tint val="93000"/>
+                <a:satMod val="150000"/>
+                <a:shade val="98000"/>
+                <a:lumMod val="102000"/>
+              </a:schemeClr>
+            </a:gs>
+            <a:gs pos="50000">
+              <a:schemeClr val="phClr">
+                <a:tint val="98000"/>
+                <a:satMod val="130000"/>
+                <a:shade val="90000"/>
+                <a:lumMod val="103000"/>
+              </a:schemeClr>
+            </a:gs>
+            <a:gs pos="100000">
+              <a:schemeClr val="phClr">
+                <a:shade val="63000"/>
+                <a:satMod val="120000"/>
+              </a:schemeClr>
+            </a:gs>
+          </a:gsLst>
+          <a:lin ang="5400000" scaled="0"/>
+        </a:gradFill>
+      </a:bgFillStyleLst>
+    </a:fmtScheme>
+  </a:themeElements>
+  <a:objectDefaults>
+    <a:lnDef>
+      <a:spPr/>
+      <a:bodyPr/>
+      <a:lstStyle/>
+      <a:style>
+        <a:lnRef idx="2">
+          <a:schemeClr val="accent1"/>
+        </a:lnRef>
+        <a:fillRef idx="0">
+          <a:schemeClr val="accent1"/>
+        </a:fillRef>
+        <a:effectRef idx="1">
+          <a:schemeClr val="accent1"/>
+        </a:effectRef>
+        <a:fontRef idx="minor">
+          <a:schemeClr val="tx1"/>
+        </a:fontRef>
+      </a:style>
+    </a:lnDef>
+  </a:objectDefaults>
+  <a:extraClrSchemeLst/>
+  <a:extLst>
+    <a:ext uri="{05A4C25C-085E-4340-85A3-A5531E510DB2}">
+      <thm15:themeFamily xmlns:thm15="http://schemas.microsoft.com/office/thememl/2012/main" name="Office Theme" id="{2E142A2C-CD16-42D6-873A-C26D2A0506FA}" vid="{1BDDFF52-6CD6-40A5-AB3C-68EB2F1E4D0A}"/>
+    </a:ext>
+  </a:extLst>
+</a:theme>
+</file>
+
 <file path=customXml/item1.xml><?xml version="1.0" encoding="utf-8"?>
 <?mso-contentType ?>
 <FormTemplates xmlns="http://schemas.microsoft.com/sharepoint/v3/contenttype/forms">

--- a/Project/Context/appfianncieraIA.Context.pptx
+++ b/Project/Context/appfianncieraIA.Context.pptx
@@ -7578,7 +7578,7 @@
                         <a:t>Nivel de facilidad de uso percibido por el </a:t>
                       </a:r>
                       <a:r>
-                        <a:rPr lang="es-MX" sz="1200"/>
+                        <a:rPr lang="es-MX" sz="1200" dirty="0" err="1"/>
                         <a:t>usuario.z</a:t>
                       </a:r>
                       <a:endParaRPr lang="es-CO" sz="1200" dirty="0"/>
